--- a/2016-2/HJJ_ZL/flippedclassroom/Snort入侵检测防御系统.pptx
+++ b/2016-2/HJJ_ZL/flippedclassroom/Snort入侵检测防御系统.pptx
@@ -5,10 +5,10 @@
     <p:sldMasterId id="2147483756" r:id="rId1"/>
   </p:sldMasterIdLst>
   <p:notesMasterIdLst>
-    <p:notesMasterId r:id="rId24"/>
+    <p:notesMasterId r:id="rId28"/>
   </p:notesMasterIdLst>
   <p:handoutMasterIdLst>
-    <p:handoutMasterId r:id="rId25"/>
+    <p:handoutMasterId r:id="rId29"/>
   </p:handoutMasterIdLst>
   <p:sldIdLst>
     <p:sldId id="256" r:id="rId2"/>
@@ -26,13 +26,17 @@
     <p:sldId id="264" r:id="rId14"/>
     <p:sldId id="320" r:id="rId15"/>
     <p:sldId id="321" r:id="rId16"/>
-    <p:sldId id="322" r:id="rId17"/>
-    <p:sldId id="323" r:id="rId18"/>
-    <p:sldId id="324" r:id="rId19"/>
-    <p:sldId id="325" r:id="rId20"/>
-    <p:sldId id="326" r:id="rId21"/>
-    <p:sldId id="327" r:id="rId22"/>
-    <p:sldId id="328" r:id="rId23"/>
+    <p:sldId id="329" r:id="rId17"/>
+    <p:sldId id="322" r:id="rId18"/>
+    <p:sldId id="323" r:id="rId19"/>
+    <p:sldId id="324" r:id="rId20"/>
+    <p:sldId id="325" r:id="rId21"/>
+    <p:sldId id="326" r:id="rId22"/>
+    <p:sldId id="327" r:id="rId23"/>
+    <p:sldId id="330" r:id="rId24"/>
+    <p:sldId id="331" r:id="rId25"/>
+    <p:sldId id="332" r:id="rId26"/>
+    <p:sldId id="328" r:id="rId27"/>
   </p:sldIdLst>
   <p:sldSz cx="12192000" cy="6858000"/>
   <p:notesSz cx="6858000" cy="9144000"/>
@@ -233,7 +237,7 @@
           <a:p>
             <a:fld id="{3482B115-7B08-49C8-B4AA-249BE609045D}" type="datetimeFigureOut">
               <a:rPr lang="zh-CN" altLang="en-US" smtClean="0"/>
-              <a:t>2016/11/22</a:t>
+              <a:t>2016/11/26</a:t>
             </a:fld>
             <a:endParaRPr lang="zh-CN" altLang="en-US"/>
           </a:p>
@@ -399,7 +403,7 @@
           <a:p>
             <a:fld id="{1E81392A-C1AF-42FB-8C06-E3A580C23A27}" type="datetimeFigureOut">
               <a:rPr lang="zh-CN" altLang="en-US" smtClean="0"/>
-              <a:t>2016/11/22</a:t>
+              <a:t>2016/11/26</a:t>
             </a:fld>
             <a:endParaRPr lang="zh-CN" altLang="en-US"/>
           </a:p>
@@ -1091,7 +1095,7 @@
           <a:p>
             <a:fld id="{B7D403C3-7678-4528-B9D9-1973225E1897}" type="datetime1">
               <a:rPr lang="zh-CN" altLang="en-US" smtClean="0"/>
-              <a:t>2016/11/22</a:t>
+              <a:t>2016/11/26</a:t>
             </a:fld>
             <a:endParaRPr lang="zh-CN" altLang="en-US"/>
           </a:p>
@@ -1403,7 +1407,7 @@
           <a:p>
             <a:fld id="{E584AEC6-C9E0-4E41-9718-B3772EF86F0C}" type="datetime1">
               <a:rPr lang="zh-CN" altLang="en-US" smtClean="0"/>
-              <a:t>2016/11/22</a:t>
+              <a:t>2016/11/26</a:t>
             </a:fld>
             <a:endParaRPr lang="zh-CN" altLang="en-US"/>
           </a:p>
@@ -1625,7 +1629,7 @@
           <a:p>
             <a:fld id="{F6D4415B-67FF-4431-9BEF-5B63581BB720}" type="datetime1">
               <a:rPr lang="zh-CN" altLang="en-US" smtClean="0"/>
-              <a:t>2016/11/22</a:t>
+              <a:t>2016/11/26</a:t>
             </a:fld>
             <a:endParaRPr lang="zh-CN" altLang="en-US"/>
           </a:p>
@@ -1916,7 +1920,7 @@
           <a:p>
             <a:fld id="{38AC20B2-46DC-494D-9E5B-DD0DB2C9D9CE}" type="datetime1">
               <a:rPr lang="zh-CN" altLang="en-US" smtClean="0"/>
-              <a:t>2016/11/22</a:t>
+              <a:t>2016/11/26</a:t>
             </a:fld>
             <a:endParaRPr lang="zh-CN" altLang="en-US"/>
           </a:p>
@@ -2370,7 +2374,7 @@
           <a:p>
             <a:fld id="{B2B6C2CC-6E00-4294-9D94-828C921AD6A9}" type="datetime1">
               <a:rPr lang="zh-CN" altLang="en-US" smtClean="0"/>
-              <a:t>2016/11/22</a:t>
+              <a:t>2016/11/26</a:t>
             </a:fld>
             <a:endParaRPr lang="zh-CN" altLang="en-US"/>
           </a:p>
@@ -2946,7 +2950,7 @@
           <a:p>
             <a:fld id="{D13751C3-6FD1-4172-8D5A-EAC3100F0D19}" type="datetime1">
               <a:rPr lang="zh-CN" altLang="en-US" smtClean="0"/>
-              <a:t>2016/11/22</a:t>
+              <a:t>2016/11/26</a:t>
             </a:fld>
             <a:endParaRPr lang="zh-CN" altLang="en-US"/>
           </a:p>
@@ -3798,7 +3802,7 @@
           <a:p>
             <a:fld id="{C079E63F-6D8C-4A5A-AE0A-B6EFA5FDE229}" type="datetime1">
               <a:rPr lang="zh-CN" altLang="en-US" smtClean="0"/>
-              <a:t>2016/11/22</a:t>
+              <a:t>2016/11/26</a:t>
             </a:fld>
             <a:endParaRPr lang="zh-CN" altLang="en-US"/>
           </a:p>
@@ -4003,7 +4007,7 @@
           <a:p>
             <a:fld id="{879052BB-DD2B-4466-9BC2-B90BE49A7EE6}" type="datetime1">
               <a:rPr lang="zh-CN" altLang="en-US" smtClean="0"/>
-              <a:t>2016/11/22</a:t>
+              <a:t>2016/11/26</a:t>
             </a:fld>
             <a:endParaRPr lang="zh-CN" altLang="en-US"/>
           </a:p>
@@ -4217,7 +4221,7 @@
           <a:p>
             <a:fld id="{9635F05C-08C5-4A3D-A5FF-3C570959DB00}" type="datetime1">
               <a:rPr lang="zh-CN" altLang="en-US" smtClean="0"/>
-              <a:t>2016/11/22</a:t>
+              <a:t>2016/11/26</a:t>
             </a:fld>
             <a:endParaRPr lang="zh-CN" altLang="en-US"/>
           </a:p>
@@ -4422,7 +4426,7 @@
           <a:p>
             <a:fld id="{363CC136-0635-48BC-867B-4E7854F1FD35}" type="datetime1">
               <a:rPr lang="zh-CN" altLang="en-US" smtClean="0"/>
-              <a:t>2016/11/22</a:t>
+              <a:t>2016/11/26</a:t>
             </a:fld>
             <a:endParaRPr lang="zh-CN" altLang="en-US"/>
           </a:p>
@@ -4702,7 +4706,7 @@
           <a:p>
             <a:fld id="{8573BC44-6C26-40D8-B7B5-95EF5B8B0AC9}" type="datetime1">
               <a:rPr lang="zh-CN" altLang="en-US" smtClean="0"/>
-              <a:t>2016/11/22</a:t>
+              <a:t>2016/11/26</a:t>
             </a:fld>
             <a:endParaRPr lang="zh-CN" altLang="en-US"/>
           </a:p>
@@ -4969,7 +4973,7 @@
           <a:p>
             <a:fld id="{467FE00D-05EA-48E9-A5B7-11CAFEDACC40}" type="datetime1">
               <a:rPr lang="zh-CN" altLang="en-US" smtClean="0"/>
-              <a:t>2016/11/22</a:t>
+              <a:t>2016/11/26</a:t>
             </a:fld>
             <a:endParaRPr lang="zh-CN" altLang="en-US"/>
           </a:p>
@@ -5384,7 +5388,7 @@
           <a:p>
             <a:fld id="{87CB5EAB-51E2-4CE7-986E-C3F020D661B7}" type="datetime1">
               <a:rPr lang="zh-CN" altLang="en-US" smtClean="0"/>
-              <a:t>2016/11/22</a:t>
+              <a:t>2016/11/26</a:t>
             </a:fld>
             <a:endParaRPr lang="zh-CN" altLang="en-US"/>
           </a:p>
@@ -5532,7 +5536,7 @@
           <a:p>
             <a:fld id="{02276EB6-810B-4D90-A660-3F0529E37D22}" type="datetime1">
               <a:rPr lang="zh-CN" altLang="en-US" smtClean="0"/>
-              <a:t>2016/11/22</a:t>
+              <a:t>2016/11/26</a:t>
             </a:fld>
             <a:endParaRPr lang="zh-CN" altLang="en-US"/>
           </a:p>
@@ -5657,7 +5661,7 @@
           <a:p>
             <a:fld id="{4FE40644-2F9C-41EF-A406-FBB842B5D20C}" type="datetime1">
               <a:rPr lang="zh-CN" altLang="en-US" smtClean="0"/>
-              <a:t>2016/11/22</a:t>
+              <a:t>2016/11/26</a:t>
             </a:fld>
             <a:endParaRPr lang="zh-CN" altLang="en-US"/>
           </a:p>
@@ -5936,7 +5940,7 @@
           <a:p>
             <a:fld id="{3D48A7D2-B4FC-4E39-9DD4-0F157FBA7153}" type="datetime1">
               <a:rPr lang="zh-CN" altLang="en-US" smtClean="0"/>
-              <a:t>2016/11/22</a:t>
+              <a:t>2016/11/26</a:t>
             </a:fld>
             <a:endParaRPr lang="zh-CN" altLang="en-US"/>
           </a:p>
@@ -6248,7 +6252,7 @@
           <a:p>
             <a:fld id="{48827FD7-743C-43CC-8805-CA0558FF4650}" type="datetime1">
               <a:rPr lang="zh-CN" altLang="en-US" smtClean="0"/>
-              <a:t>2016/11/22</a:t>
+              <a:t>2016/11/26</a:t>
             </a:fld>
             <a:endParaRPr lang="zh-CN" altLang="en-US"/>
           </a:p>
@@ -6501,7 +6505,7 @@
           <a:p>
             <a:fld id="{7943E6C6-FDC0-41DD-85AA-1FD435468634}" type="datetime1">
               <a:rPr lang="zh-CN" altLang="en-US" smtClean="0"/>
-              <a:t>2016/11/22</a:t>
+              <a:t>2016/11/26</a:t>
             </a:fld>
             <a:endParaRPr lang="zh-CN" altLang="en-US"/>
           </a:p>
@@ -6975,7 +6979,7 @@
           <a:lstStyle/>
           <a:p>
             <a:r>
-              <a:rPr lang="en-US" altLang="zh-CN" b="1" smtClean="0"/>
+              <a:rPr lang="en-US" altLang="zh-CN" b="1" cap="none" smtClean="0"/>
               <a:t>Snort</a:t>
             </a:r>
             <a:r>
@@ -7014,38 +7018,14 @@
           <a:lstStyle/>
           <a:p>
             <a:r>
-              <a:rPr lang="en-US" altLang="zh-CN" sz="2400">
+              <a:rPr lang="en-US" altLang="zh-CN" sz="2400" cap="none" smtClean="0">
                 <a:solidFill>
                   <a:schemeClr val="tx1"/>
                 </a:solidFill>
               </a:rPr>
-              <a:t>By </a:t>
-            </a:r>
-            <a:r>
-              <a:rPr lang="en-US" altLang="zh-CN" sz="2400" err="1">
-                <a:solidFill>
-                  <a:schemeClr val="tx1"/>
-                </a:solidFill>
-              </a:rPr>
-              <a:t>biyyyh</a:t>
-            </a:r>
-            <a:r>
-              <a:rPr lang="en-US" altLang="zh-CN" sz="2400">
-                <a:solidFill>
-                  <a:schemeClr val="tx1"/>
-                </a:solidFill>
-              </a:rPr>
-              <a:t>&amp;&amp;</a:t>
-            </a:r>
-            <a:r>
-              <a:rPr lang="en-US" altLang="zh-CN" sz="2400" err="1">
-                <a:solidFill>
-                  <a:schemeClr val="tx1"/>
-                </a:solidFill>
-              </a:rPr>
-              <a:t>Micylt</a:t>
-            </a:r>
-            <a:endParaRPr lang="zh-CN" altLang="en-US" sz="2400">
+              <a:t>By Biyyyh&amp;&amp;Micylt</a:t>
+            </a:r>
+            <a:endParaRPr lang="zh-CN" altLang="en-US" sz="2400" cap="none">
               <a:solidFill>
                 <a:schemeClr val="tx1"/>
               </a:solidFill>
@@ -7564,37 +7544,41 @@
           <a:lstStyle/>
           <a:p>
             <a:r>
-              <a:rPr lang="en-US" altLang="zh-CN"/>
-              <a:t>Guardian is a security program which works in conjunction with </a:t>
-            </a:r>
-            <a:r>
-              <a:rPr lang="en-US" altLang="zh-CN">
+              <a:rPr lang="en-US" altLang="zh-CN" cap="none"/>
+              <a:t>G</a:t>
+            </a:r>
+            <a:r>
+              <a:rPr lang="en-US" altLang="zh-CN" cap="none" smtClean="0"/>
+              <a:t>uardian is a security program which works in conjunction with </a:t>
+            </a:r>
+            <a:r>
+              <a:rPr lang="en-US" altLang="zh-CN" cap="none" smtClean="0">
                 <a:hlinkClick r:id="rId3"/>
               </a:rPr>
-              <a:t>Snort</a:t>
-            </a:r>
-            <a:r>
-              <a:rPr lang="en-US" altLang="zh-CN"/>
-              <a:t> to automaticly update firewall rules based on alerts generated by Snort. </a:t>
+              <a:t>snort</a:t>
+            </a:r>
+            <a:r>
+              <a:rPr lang="en-US" altLang="zh-CN" cap="none" smtClean="0"/>
+              <a:t> to automaticly update firewall rules based on alerts generated by snort. </a:t>
             </a:r>
             <a:br>
-              <a:rPr lang="en-US" altLang="zh-CN"/>
+              <a:rPr lang="en-US" altLang="zh-CN" cap="none" smtClean="0"/>
             </a:br>
             <a:r>
-              <a:rPr lang="en-US" altLang="zh-CN"/>
-              <a:t>The updated firewall rules block all incoming data from the IP address of the attacking machine (the machine which caused Snort to generate an alert.</a:t>
+              <a:rPr lang="en-US" altLang="zh-CN" cap="none" smtClean="0"/>
+              <a:t>the updated firewall rules block all incoming data from the ip address of the attacking machine (the machine which caused snort to generate an alert.</a:t>
             </a:r>
             <a:br>
-              <a:rPr lang="en-US" altLang="zh-CN"/>
+              <a:rPr lang="en-US" altLang="zh-CN" cap="none" smtClean="0"/>
             </a:br>
             <a:r>
-              <a:rPr lang="en-US" altLang="zh-CN"/>
-              <a:t>There is also logic in place which pervents blocking important machines, such as DNS servers, gateways, and whatever else you want.</a:t>
+              <a:rPr lang="en-US" altLang="zh-CN" cap="none" smtClean="0"/>
+              <a:t>there is also logic in place which pervents blocking important machines, such as dns servers, gateways, and whatever else you want.</a:t>
             </a:r>
             <a:br>
-              <a:rPr lang="en-US" altLang="zh-CN"/>
+              <a:rPr lang="en-US" altLang="zh-CN" cap="none" smtClean="0"/>
             </a:br>
-            <a:endParaRPr lang="zh-CN" altLang="en-US"/>
+            <a:endParaRPr lang="zh-CN" altLang="en-US" cap="none"/>
           </a:p>
         </p:txBody>
       </p:sp>
@@ -7839,8 +7823,47 @@
             </a:r>
             <a:r>
               <a:rPr lang="zh-CN" altLang="en-US" cap="none" smtClean="0"/>
-              <a:t>进行一定时间的阻断，从而达到系统防御的目的</a:t>
-            </a:r>
+              <a:t>进行一定时间的阻断，从而达到系统防御的</a:t>
+            </a:r>
+            <a:r>
+              <a:rPr lang="zh-CN" altLang="en-US" cap="none" smtClean="0"/>
+              <a:t>目的。（需要注意的时，</a:t>
+            </a:r>
+            <a:r>
+              <a:rPr lang="en-US" altLang="zh-CN" cap="none" smtClean="0"/>
+              <a:t>Guardian</a:t>
+            </a:r>
+            <a:r>
+              <a:rPr lang="zh-CN" altLang="en-US" cap="none" smtClean="0"/>
+              <a:t>与</a:t>
+            </a:r>
+            <a:r>
+              <a:rPr lang="en-US" altLang="zh-CN" cap="none" smtClean="0"/>
+              <a:t>Snort</a:t>
+            </a:r>
+            <a:r>
+              <a:rPr lang="zh-CN" altLang="en-US" cap="none" smtClean="0"/>
+              <a:t>并不是谁工作在谁之上的关系，</a:t>
+            </a:r>
+            <a:r>
+              <a:rPr lang="en-US" altLang="zh-CN" cap="none" smtClean="0"/>
+              <a:t>Guardian</a:t>
+            </a:r>
+            <a:r>
+              <a:rPr lang="zh-CN" altLang="en-US" cap="none" smtClean="0"/>
+              <a:t>只是作为一个脚本通过对</a:t>
+            </a:r>
+            <a:r>
+              <a:rPr lang="en-US" altLang="zh-CN" cap="none" smtClean="0"/>
+              <a:t>Snort</a:t>
+            </a:r>
+            <a:r>
+              <a:rPr lang="zh-CN" altLang="en-US" cap="none" smtClean="0"/>
+              <a:t>工作日志的监测来进行联动响应）</a:t>
+            </a:r>
+            <a:endParaRPr lang="en-US" altLang="zh-CN" cap="none" smtClean="0"/>
+          </a:p>
+          <a:p>
             <a:endParaRPr lang="zh-CN" altLang="en-US" cap="none"/>
           </a:p>
         </p:txBody>
@@ -7995,6 +8018,228 @@
       </p:grpSpPr>
       <p:sp>
         <p:nvSpPr>
+          <p:cNvPr id="2" name="标题 1"/>
+          <p:cNvSpPr>
+            <a:spLocks noGrp="1"/>
+          </p:cNvSpPr>
+          <p:nvPr>
+            <p:ph type="title"/>
+          </p:nvPr>
+        </p:nvSpPr>
+        <p:spPr>
+          <a:xfrm>
+            <a:off x="1573533" y="0"/>
+            <a:ext cx="8820534" cy="747296"/>
+          </a:xfrm>
+        </p:spPr>
+        <p:txBody>
+          <a:bodyPr/>
+          <a:lstStyle/>
+          <a:p>
+            <a:r>
+              <a:rPr lang="zh-CN" altLang="en-US" cap="none" smtClean="0"/>
+              <a:t>实验环境</a:t>
+            </a:r>
+            <a:endParaRPr lang="zh-CN" altLang="en-US" cap="none"/>
+          </a:p>
+        </p:txBody>
+      </p:sp>
+      <p:sp>
+        <p:nvSpPr>
+          <p:cNvPr id="3" name="内容占位符 2"/>
+          <p:cNvSpPr>
+            <a:spLocks noGrp="1"/>
+          </p:cNvSpPr>
+          <p:nvPr>
+            <p:ph sz="quarter" idx="13"/>
+          </p:nvPr>
+        </p:nvSpPr>
+        <p:spPr>
+          <a:xfrm>
+            <a:off x="913774" y="747296"/>
+            <a:ext cx="10363826" cy="5043903"/>
+          </a:xfrm>
+        </p:spPr>
+        <p:txBody>
+          <a:bodyPr/>
+          <a:lstStyle/>
+          <a:p>
+            <a:r>
+              <a:rPr lang="zh-CN" altLang="en-US" cap="none" smtClean="0"/>
+              <a:t>本实验攻击方为</a:t>
+            </a:r>
+            <a:r>
+              <a:rPr lang="en-US" altLang="zh-CN" cap="none"/>
+              <a:t>L</a:t>
+            </a:r>
+            <a:r>
+              <a:rPr lang="en-US" altLang="zh-CN" cap="none" smtClean="0"/>
+              <a:t>inux kali</a:t>
+            </a:r>
+            <a:r>
+              <a:rPr lang="zh-CN" altLang="en-US" cap="none" smtClean="0"/>
+              <a:t>系统</a:t>
+            </a:r>
+            <a:r>
+              <a:rPr lang="en-US" altLang="zh-CN" cap="none"/>
+              <a:t>PC</a:t>
+            </a:r>
+            <a:r>
+              <a:rPr lang="en-US" altLang="zh-CN" cap="none" smtClean="0"/>
+              <a:t>1</a:t>
+            </a:r>
+          </a:p>
+          <a:p>
+            <a:r>
+              <a:rPr lang="zh-CN" altLang="en-US" cap="none" smtClean="0"/>
+              <a:t>服务器采用的是</a:t>
+            </a:r>
+            <a:r>
+              <a:rPr lang="en-US" altLang="zh-CN" cap="none" smtClean="0"/>
+              <a:t>pentesterlab</a:t>
+            </a:r>
+            <a:r>
+              <a:rPr lang="zh-CN" altLang="en-US" cap="none" smtClean="0"/>
+              <a:t>封装好的镜像来进行搭建，采用的是</a:t>
+            </a:r>
+            <a:r>
+              <a:rPr lang="en-US" altLang="zh-CN" cap="none" smtClean="0"/>
+              <a:t>debian</a:t>
+            </a:r>
+            <a:r>
+              <a:rPr lang="zh-CN" altLang="en-US" cap="none" smtClean="0"/>
+              <a:t>的系统，设置默认网关为</a:t>
+            </a:r>
+            <a:r>
+              <a:rPr lang="en-US" altLang="zh-CN" cap="none" smtClean="0"/>
+              <a:t>PC2</a:t>
+            </a:r>
+          </a:p>
+          <a:p>
+            <a:r>
+              <a:rPr lang="zh-CN" altLang="en-US" cap="none" smtClean="0"/>
+              <a:t>所有访问服务器的流量都会经过一台</a:t>
+            </a:r>
+            <a:r>
+              <a:rPr lang="en-US" altLang="zh-CN" cap="none"/>
+              <a:t>k</a:t>
+            </a:r>
+            <a:r>
+              <a:rPr lang="en-US" altLang="zh-CN" cap="none" smtClean="0"/>
+              <a:t>ali</a:t>
+            </a:r>
+            <a:r>
+              <a:rPr lang="zh-CN" altLang="en-US" cap="none" smtClean="0"/>
+              <a:t>主机</a:t>
+            </a:r>
+            <a:r>
+              <a:rPr lang="en-US" altLang="zh-CN" cap="none" smtClean="0"/>
+              <a:t>PC2</a:t>
+            </a:r>
+            <a:r>
+              <a:rPr lang="zh-CN" altLang="en-US" cap="none" smtClean="0"/>
+              <a:t>，</a:t>
+            </a:r>
+            <a:r>
+              <a:rPr lang="en-US" altLang="zh-CN" cap="none" smtClean="0"/>
+              <a:t>snort</a:t>
+            </a:r>
+            <a:r>
+              <a:rPr lang="zh-CN" altLang="en-US" cap="none" smtClean="0"/>
+              <a:t>和</a:t>
+            </a:r>
+            <a:r>
+              <a:rPr lang="en-US" altLang="zh-CN" cap="none" smtClean="0"/>
+              <a:t>iptables</a:t>
+            </a:r>
+            <a:r>
+              <a:rPr lang="zh-CN" altLang="en-US" cap="none" smtClean="0"/>
+              <a:t>均在</a:t>
+            </a:r>
+            <a:r>
+              <a:rPr lang="en-US" altLang="zh-CN" cap="none" smtClean="0"/>
+              <a:t>PC2</a:t>
+            </a:r>
+            <a:r>
+              <a:rPr lang="zh-CN" altLang="en-US" cap="none" smtClean="0"/>
+              <a:t>上设置</a:t>
+            </a:r>
+          </a:p>
+          <a:p>
+            <a:r>
+              <a:rPr lang="zh-CN" altLang="en-US" cap="none" smtClean="0"/>
+              <a:t>在</a:t>
+            </a:r>
+            <a:r>
+              <a:rPr lang="en-US" altLang="zh-CN" cap="none" smtClean="0"/>
+              <a:t>/proc/sys/net/ipv4</a:t>
+            </a:r>
+            <a:r>
+              <a:rPr lang="zh-CN" altLang="en-US" cap="none" smtClean="0"/>
+              <a:t>路径下执行</a:t>
+            </a:r>
+            <a:r>
+              <a:rPr lang="en-US" altLang="zh-CN" cap="none" smtClean="0"/>
+              <a:t>echo 1 &gt; ip_forward</a:t>
+            </a:r>
+            <a:r>
+              <a:rPr lang="zh-CN" altLang="en-US" cap="none" smtClean="0"/>
+              <a:t>，将默认值</a:t>
+            </a:r>
+            <a:r>
+              <a:rPr lang="en-US" altLang="zh-CN" cap="none" smtClean="0"/>
+              <a:t>0</a:t>
+            </a:r>
+            <a:r>
+              <a:rPr lang="zh-CN" altLang="en-US" cap="none" smtClean="0"/>
+              <a:t>改为</a:t>
+            </a:r>
+            <a:r>
+              <a:rPr lang="en-US" altLang="zh-CN" cap="none" smtClean="0"/>
+              <a:t>1</a:t>
+            </a:r>
+            <a:r>
+              <a:rPr lang="zh-CN" altLang="en-US" cap="none" smtClean="0"/>
+              <a:t>，开启</a:t>
+            </a:r>
+            <a:r>
+              <a:rPr lang="en-US" altLang="zh-CN" cap="none" smtClean="0"/>
+              <a:t>ip</a:t>
+            </a:r>
+            <a:r>
+              <a:rPr lang="zh-CN" altLang="en-US" cap="none" smtClean="0"/>
+              <a:t>转发，使得网关</a:t>
+            </a:r>
+            <a:r>
+              <a:rPr lang="en-US" altLang="zh-CN" cap="none" smtClean="0"/>
+              <a:t>PC2</a:t>
+            </a:r>
+            <a:r>
+              <a:rPr lang="zh-CN" altLang="en-US" cap="none" smtClean="0"/>
+              <a:t>可以对</a:t>
+            </a:r>
+            <a:r>
+              <a:rPr lang="en-US" altLang="zh-CN" cap="none" smtClean="0"/>
+              <a:t>PC</a:t>
+            </a:r>
+            <a:r>
+              <a:rPr lang="zh-CN" altLang="en-US" cap="none" smtClean="0"/>
+              <a:t>的访问流量进行监控和检测</a:t>
+            </a:r>
+          </a:p>
+          <a:p>
+            <a:r>
+              <a:rPr lang="zh-CN" altLang="en-US" cap="none" smtClean="0"/>
+              <a:t>实验拓扑图 </a:t>
+            </a:r>
+          </a:p>
+          <a:p>
+            <a:endParaRPr lang="zh-CN" altLang="en-US"/>
+          </a:p>
+        </p:txBody>
+      </p:sp>
+      <p:sp>
+        <p:nvSpPr>
           <p:cNvPr id="4" name="灯片编号占位符 3"/>
           <p:cNvSpPr>
             <a:spLocks noGrp="1"/>
@@ -8016,114 +8261,9 @@
           </a:p>
         </p:txBody>
       </p:sp>
-      <p:sp>
-        <p:nvSpPr>
-          <p:cNvPr id="6" name="文本框 5"/>
-          <p:cNvSpPr txBox="1"/>
-          <p:nvPr/>
-        </p:nvSpPr>
-        <p:spPr>
-          <a:xfrm>
-            <a:off x="891251" y="555585"/>
-            <a:ext cx="10683433" cy="1754326"/>
-          </a:xfrm>
-          <a:prstGeom prst="rect">
-            <a:avLst/>
-          </a:prstGeom>
-          <a:noFill/>
-        </p:spPr>
-        <p:txBody>
-          <a:bodyPr wrap="square" rtlCol="0">
-            <a:spAutoFit/>
-          </a:bodyPr>
-          <a:lstStyle/>
-          <a:p>
-            <a:r>
-              <a:rPr lang="en-US" altLang="zh-CN" smtClean="0"/>
-              <a:t>1.</a:t>
-            </a:r>
-            <a:r>
-              <a:rPr lang="zh-CN" altLang="en-US" smtClean="0"/>
-              <a:t>本次实验采用</a:t>
-            </a:r>
-            <a:r>
-              <a:rPr lang="en-US" altLang="zh-CN" smtClean="0"/>
-              <a:t>snort</a:t>
-            </a:r>
-            <a:r>
-              <a:rPr lang="zh-CN" altLang="en-US" smtClean="0"/>
-              <a:t>的</a:t>
-            </a:r>
-            <a:r>
-              <a:rPr lang="en-US" altLang="zh-CN" smtClean="0"/>
-              <a:t>NIDS</a:t>
-            </a:r>
-            <a:r>
-              <a:rPr lang="zh-CN" altLang="en-US"/>
-              <a:t>模式：这个模式为本次试验的主要工作模式，其探测入侵的方式是通过对嗅探到的数据包与规则链表进行查询匹配，如果有匹配的规则，则进行丢包或者</a:t>
-            </a:r>
-            <a:r>
-              <a:rPr lang="zh-CN" altLang="en-US" smtClean="0"/>
-              <a:t>报警</a:t>
-            </a:r>
-            <a:endParaRPr lang="en-US" altLang="zh-CN" smtClean="0"/>
-          </a:p>
-          <a:p>
-            <a:endParaRPr lang="en-US" altLang="zh-CN"/>
-          </a:p>
-          <a:p>
-            <a:r>
-              <a:rPr lang="en-US" altLang="zh-CN" smtClean="0"/>
-              <a:t>2.</a:t>
-            </a:r>
-            <a:r>
-              <a:rPr lang="zh-CN" altLang="en-US" smtClean="0"/>
-              <a:t>为</a:t>
-            </a:r>
-            <a:r>
-              <a:rPr lang="en-US" altLang="zh-CN" smtClean="0"/>
-              <a:t>snort</a:t>
-            </a:r>
-            <a:r>
-              <a:rPr lang="zh-CN" altLang="en-US" smtClean="0"/>
-              <a:t>建立一个自定义规则：</a:t>
-            </a:r>
-            <a:r>
-              <a:rPr lang="en-US" altLang="zh-CN"/>
-              <a:t> vim myrule.rules </a:t>
-            </a:r>
-            <a:endParaRPr lang="en-US" altLang="zh-CN" smtClean="0"/>
-          </a:p>
-          <a:p>
-            <a:r>
-              <a:rPr lang="zh-CN" altLang="en-US" smtClean="0"/>
-              <a:t> 建立</a:t>
-            </a:r>
-            <a:r>
-              <a:rPr lang="zh-CN" altLang="en-US"/>
-              <a:t>好自定义的规则后，还需要在</a:t>
-            </a:r>
-            <a:r>
-              <a:rPr lang="en-US" altLang="zh-CN"/>
-              <a:t>/etc/snort/snort.conf</a:t>
-            </a:r>
-            <a:r>
-              <a:rPr lang="zh-CN" altLang="en-US"/>
-              <a:t>文件中加入</a:t>
-            </a:r>
-            <a:r>
-              <a:rPr lang="en-US" altLang="zh-CN" smtClean="0"/>
-              <a:t>myrule.rules</a:t>
-            </a:r>
-          </a:p>
-          <a:p>
-            <a:endParaRPr lang="en-US" altLang="zh-CN"/>
-          </a:p>
-        </p:txBody>
-      </p:sp>
       <p:pic>
         <p:nvPicPr>
-          <p:cNvPr id="7" name="图片 6"/>
+          <p:cNvPr id="5" name="图片 4"/>
           <p:cNvPicPr>
             <a:picLocks noChangeAspect="1"/>
           </p:cNvPicPr>
@@ -8137,8 +8277,8 @@
         </p:blipFill>
         <p:spPr>
           <a:xfrm>
-            <a:off x="1041721" y="2102092"/>
-            <a:ext cx="6861382" cy="4614279"/>
+            <a:off x="2981952" y="3586114"/>
+            <a:ext cx="5209524" cy="2952381"/>
           </a:xfrm>
           <a:prstGeom prst="rect">
             <a:avLst/>
@@ -8148,7 +8288,7 @@
     </p:spTree>
     <p:extLst>
       <p:ext uri="{BB962C8B-B14F-4D97-AF65-F5344CB8AC3E}">
-        <p14:creationId xmlns:p14="http://schemas.microsoft.com/office/powerpoint/2010/main" val="1697151357"/>
+        <p14:creationId xmlns:p14="http://schemas.microsoft.com/office/powerpoint/2010/main" val="1626922207"/>
       </p:ext>
     </p:extLst>
   </p:cSld>
@@ -8184,97 +8324,6 @@
       </p:grpSpPr>
       <p:sp>
         <p:nvSpPr>
-          <p:cNvPr id="3" name="内容占位符 2"/>
-          <p:cNvSpPr>
-            <a:spLocks noGrp="1"/>
-          </p:cNvSpPr>
-          <p:nvPr>
-            <p:ph sz="quarter" idx="13"/>
-          </p:nvPr>
-        </p:nvSpPr>
-        <p:spPr>
-          <a:xfrm>
-            <a:off x="913774" y="833378"/>
-            <a:ext cx="10363826" cy="4957822"/>
-          </a:xfrm>
-        </p:spPr>
-        <p:txBody>
-          <a:bodyPr/>
-          <a:lstStyle/>
-          <a:p>
-            <a:r>
-              <a:rPr lang="zh-CN" altLang="en-US" smtClean="0"/>
-              <a:t>本次实验自定义的规则有：</a:t>
-            </a:r>
-            <a:endParaRPr lang="en-US" altLang="zh-CN" smtClean="0"/>
-          </a:p>
-          <a:p>
-            <a:r>
-              <a:rPr lang="en-US" altLang="zh-CN"/>
-              <a:t>alert tcp any any -&gt; any 80 (msg:"SQL Injection 1";flow:to_server,established;uricontent:".php";pcre:"/(\%27)|(\')|(--)|(%23)|(#)/i";classtype:Web-application-attack;sid:9099;rev:5;)</a:t>
-            </a:r>
-          </a:p>
-          <a:p>
-            <a:r>
-              <a:rPr lang="en-US" altLang="zh-CN"/>
-              <a:t>alert tcp any any -&gt; any 80 (msg:"SQL attack";content:"union"; nocase; sid:1000002; rev:1;)</a:t>
-            </a:r>
-          </a:p>
-          <a:p>
-            <a:r>
-              <a:rPr lang="zh-CN" altLang="en-US"/>
-              <a:t>接下来输入指令</a:t>
-            </a:r>
-            <a:r>
-              <a:rPr lang="en-US" altLang="zh-CN"/>
-              <a:t>snort -vd -l /log -c /etc/snort/snort.conf -A full </a:t>
-            </a:r>
-            <a:r>
-              <a:rPr lang="zh-CN" altLang="en-US"/>
-              <a:t>打开</a:t>
-            </a:r>
-            <a:r>
-              <a:rPr lang="en-US" altLang="zh-CN"/>
-              <a:t>snort</a:t>
-            </a:r>
-            <a:r>
-              <a:rPr lang="zh-CN" altLang="en-US"/>
-              <a:t>的入侵检测模式</a:t>
-            </a:r>
-          </a:p>
-          <a:p>
-            <a:r>
-              <a:rPr lang="zh-CN" altLang="en-US"/>
-              <a:t>打开攻击机器</a:t>
-            </a:r>
-            <a:r>
-              <a:rPr lang="en-US" altLang="zh-CN"/>
-              <a:t>PC1</a:t>
-            </a:r>
-            <a:r>
-              <a:rPr lang="zh-CN" altLang="en-US"/>
-              <a:t>，在网站界面中输入</a:t>
-            </a:r>
-            <a:r>
-              <a:rPr lang="en-US" altLang="zh-CN"/>
-              <a:t>Sql</a:t>
-            </a:r>
-            <a:r>
-              <a:rPr lang="zh-CN" altLang="en-US"/>
-              <a:t>注入语句</a:t>
-            </a:r>
-            <a:r>
-              <a:rPr lang="en-US" altLang="zh-CN"/>
-              <a:t>http://localhost/cat.php?id=1%20union%20select%201,2,3,4 </a:t>
-            </a:r>
-          </a:p>
-          <a:p>
-            <a:endParaRPr lang="zh-CN" altLang="en-US"/>
-          </a:p>
-        </p:txBody>
-      </p:sp>
-      <p:sp>
-        <p:nvSpPr>
           <p:cNvPr id="4" name="灯片编号占位符 3"/>
           <p:cNvSpPr>
             <a:spLocks noGrp="1"/>
@@ -8296,10 +8345,139 @@
           </a:p>
         </p:txBody>
       </p:sp>
+      <p:sp>
+        <p:nvSpPr>
+          <p:cNvPr id="6" name="文本框 5"/>
+          <p:cNvSpPr txBox="1"/>
+          <p:nvPr/>
+        </p:nvSpPr>
+        <p:spPr>
+          <a:xfrm>
+            <a:off x="891251" y="555585"/>
+            <a:ext cx="10683433" cy="1754326"/>
+          </a:xfrm>
+          <a:prstGeom prst="rect">
+            <a:avLst/>
+          </a:prstGeom>
+          <a:noFill/>
+        </p:spPr>
+        <p:txBody>
+          <a:bodyPr wrap="square" rtlCol="0">
+            <a:spAutoFit/>
+          </a:bodyPr>
+          <a:lstStyle/>
+          <a:p>
+            <a:r>
+              <a:rPr lang="en-US" altLang="zh-CN" smtClean="0"/>
+              <a:t>1.</a:t>
+            </a:r>
+            <a:r>
+              <a:rPr lang="zh-CN" altLang="en-US" smtClean="0"/>
+              <a:t>本次实验采用</a:t>
+            </a:r>
+            <a:r>
+              <a:rPr lang="en-US" altLang="zh-CN" smtClean="0"/>
+              <a:t>snort</a:t>
+            </a:r>
+            <a:r>
+              <a:rPr lang="zh-CN" altLang="en-US" smtClean="0"/>
+              <a:t>的</a:t>
+            </a:r>
+            <a:r>
+              <a:rPr lang="en-US" altLang="zh-CN" smtClean="0"/>
+              <a:t>NIDS</a:t>
+            </a:r>
+            <a:r>
+              <a:rPr lang="zh-CN" altLang="en-US"/>
+              <a:t>模式：这个模式为本次试验的主要工作模式，其探测入侵的方式是通过对嗅探到的数据包与规则链表进行查询匹配，如果有匹配的规则，则进行丢包或者</a:t>
+            </a:r>
+            <a:r>
+              <a:rPr lang="zh-CN" altLang="en-US" smtClean="0"/>
+              <a:t>报警</a:t>
+            </a:r>
+            <a:endParaRPr lang="en-US" altLang="zh-CN" smtClean="0"/>
+          </a:p>
+          <a:p>
+            <a:endParaRPr lang="en-US" altLang="zh-CN"/>
+          </a:p>
+          <a:p>
+            <a:r>
+              <a:rPr lang="en-US" altLang="zh-CN" smtClean="0"/>
+              <a:t>2.</a:t>
+            </a:r>
+            <a:r>
+              <a:rPr lang="zh-CN" altLang="en-US" smtClean="0"/>
+              <a:t>为</a:t>
+            </a:r>
+            <a:r>
+              <a:rPr lang="en-US" altLang="zh-CN" smtClean="0"/>
+              <a:t>snort</a:t>
+            </a:r>
+            <a:r>
+              <a:rPr lang="zh-CN" altLang="en-US" smtClean="0"/>
+              <a:t>建立一个自定义规则：</a:t>
+            </a:r>
+            <a:r>
+              <a:rPr lang="en-US" altLang="zh-CN"/>
+              <a:t> vim myrule.rules </a:t>
+            </a:r>
+            <a:endParaRPr lang="en-US" altLang="zh-CN" smtClean="0"/>
+          </a:p>
+          <a:p>
+            <a:r>
+              <a:rPr lang="zh-CN" altLang="en-US" smtClean="0"/>
+              <a:t> 建立</a:t>
+            </a:r>
+            <a:r>
+              <a:rPr lang="zh-CN" altLang="en-US"/>
+              <a:t>好自定义的规则后，还需要在</a:t>
+            </a:r>
+            <a:r>
+              <a:rPr lang="en-US" altLang="zh-CN"/>
+              <a:t>/etc/snort/snort.conf</a:t>
+            </a:r>
+            <a:r>
+              <a:rPr lang="zh-CN" altLang="en-US"/>
+              <a:t>文件中加入</a:t>
+            </a:r>
+            <a:r>
+              <a:rPr lang="en-US" altLang="zh-CN" smtClean="0"/>
+              <a:t>myrule.rules</a:t>
+            </a:r>
+          </a:p>
+          <a:p>
+            <a:endParaRPr lang="en-US" altLang="zh-CN"/>
+          </a:p>
+        </p:txBody>
+      </p:sp>
+      <p:pic>
+        <p:nvPicPr>
+          <p:cNvPr id="7" name="图片 6"/>
+          <p:cNvPicPr>
+            <a:picLocks noChangeAspect="1"/>
+          </p:cNvPicPr>
+          <p:nvPr/>
+        </p:nvPicPr>
+        <p:blipFill>
+          <a:blip r:embed="rId2"/>
+          <a:stretch>
+            <a:fillRect/>
+          </a:stretch>
+        </p:blipFill>
+        <p:spPr>
+          <a:xfrm>
+            <a:off x="1041721" y="2102092"/>
+            <a:ext cx="6861382" cy="4614279"/>
+          </a:xfrm>
+          <a:prstGeom prst="rect">
+            <a:avLst/>
+          </a:prstGeom>
+        </p:spPr>
+      </p:pic>
     </p:spTree>
     <p:extLst>
       <p:ext uri="{BB962C8B-B14F-4D97-AF65-F5344CB8AC3E}">
-        <p14:creationId xmlns:p14="http://schemas.microsoft.com/office/powerpoint/2010/main" val="2416929344"/>
+        <p14:creationId xmlns:p14="http://schemas.microsoft.com/office/powerpoint/2010/main" val="1697151357"/>
       </p:ext>
     </p:extLst>
   </p:cSld>
@@ -8335,6 +8513,97 @@
       </p:grpSpPr>
       <p:sp>
         <p:nvSpPr>
+          <p:cNvPr id="3" name="内容占位符 2"/>
+          <p:cNvSpPr>
+            <a:spLocks noGrp="1"/>
+          </p:cNvSpPr>
+          <p:nvPr>
+            <p:ph sz="quarter" idx="13"/>
+          </p:nvPr>
+        </p:nvSpPr>
+        <p:spPr>
+          <a:xfrm>
+            <a:off x="913774" y="833378"/>
+            <a:ext cx="10363826" cy="4957822"/>
+          </a:xfrm>
+        </p:spPr>
+        <p:txBody>
+          <a:bodyPr/>
+          <a:lstStyle/>
+          <a:p>
+            <a:r>
+              <a:rPr lang="zh-CN" altLang="en-US" cap="none" smtClean="0"/>
+              <a:t>本次实验自定义的规则有：</a:t>
+            </a:r>
+            <a:endParaRPr lang="en-US" altLang="zh-CN" cap="none" smtClean="0"/>
+          </a:p>
+          <a:p>
+            <a:r>
+              <a:rPr lang="en-US" altLang="zh-CN" cap="none" smtClean="0"/>
+              <a:t>alert tcp any any -&gt; any 80 (msg:“SQL injection 1";flow:to_server,established;uricontent:".php";pcre:"/(\%27)|(\')|(--)|(%23)|(#)/i";classtype:Web-application-attack;sid:9099;rev:5;)</a:t>
+            </a:r>
+          </a:p>
+          <a:p>
+            <a:r>
+              <a:rPr lang="en-US" altLang="zh-CN" cap="none" smtClean="0"/>
+              <a:t>alert tcp any any -&gt; any 80 (msg:“SQL attack";content:"union"; nocase; sid:1000002; rev:1;)</a:t>
+            </a:r>
+          </a:p>
+          <a:p>
+            <a:r>
+              <a:rPr lang="zh-CN" altLang="en-US" cap="none" smtClean="0"/>
+              <a:t>接下来输入指令</a:t>
+            </a:r>
+            <a:r>
+              <a:rPr lang="en-US" altLang="zh-CN" cap="none" smtClean="0"/>
+              <a:t>snort -vd -l /log -c /etc/snort/snort.conf -A full </a:t>
+            </a:r>
+            <a:r>
+              <a:rPr lang="zh-CN" altLang="en-US" cap="none" smtClean="0"/>
+              <a:t>打开</a:t>
+            </a:r>
+            <a:r>
+              <a:rPr lang="en-US" altLang="zh-CN" cap="none" smtClean="0"/>
+              <a:t>snort</a:t>
+            </a:r>
+            <a:r>
+              <a:rPr lang="zh-CN" altLang="en-US" cap="none" smtClean="0"/>
+              <a:t>的入侵检测模式</a:t>
+            </a:r>
+          </a:p>
+          <a:p>
+            <a:r>
+              <a:rPr lang="zh-CN" altLang="en-US" cap="none" smtClean="0"/>
+              <a:t>打开攻击机器</a:t>
+            </a:r>
+            <a:r>
+              <a:rPr lang="en-US" altLang="zh-CN" cap="none" smtClean="0"/>
+              <a:t>PC1</a:t>
+            </a:r>
+            <a:r>
+              <a:rPr lang="zh-CN" altLang="en-US" cap="none" smtClean="0"/>
+              <a:t>，在网站界面中输入</a:t>
+            </a:r>
+            <a:r>
+              <a:rPr lang="en-US" altLang="zh-CN" cap="none" smtClean="0"/>
+              <a:t>sql</a:t>
+            </a:r>
+            <a:r>
+              <a:rPr lang="zh-CN" altLang="en-US" cap="none" smtClean="0"/>
+              <a:t>注入语句</a:t>
+            </a:r>
+            <a:r>
+              <a:rPr lang="en-US" altLang="zh-CN" cap="none" smtClean="0"/>
+              <a:t>http://localhost/cat.php?id=1%20union%20select%201,2,3,4 </a:t>
+            </a:r>
+          </a:p>
+          <a:p>
+            <a:endParaRPr lang="zh-CN" altLang="en-US"/>
+          </a:p>
+        </p:txBody>
+      </p:sp>
+      <p:sp>
+        <p:nvSpPr>
           <p:cNvPr id="4" name="灯片编号占位符 3"/>
           <p:cNvSpPr>
             <a:spLocks noGrp="1"/>
@@ -8356,126 +8625,10 @@
           </a:p>
         </p:txBody>
       </p:sp>
-      <p:pic>
-        <p:nvPicPr>
-          <p:cNvPr id="5" name="图片 4"/>
-          <p:cNvPicPr>
-            <a:picLocks noChangeAspect="1"/>
-          </p:cNvPicPr>
-          <p:nvPr/>
-        </p:nvPicPr>
-        <p:blipFill>
-          <a:blip r:embed="rId2"/>
-          <a:stretch>
-            <a:fillRect/>
-          </a:stretch>
-        </p:blipFill>
-        <p:spPr>
-          <a:xfrm>
-            <a:off x="1061161" y="1"/>
-            <a:ext cx="8603700" cy="4833314"/>
-          </a:xfrm>
-          <a:prstGeom prst="rect">
-            <a:avLst/>
-          </a:prstGeom>
-        </p:spPr>
-      </p:pic>
-      <p:sp>
-        <p:nvSpPr>
-          <p:cNvPr id="6" name="文本框 5"/>
-          <p:cNvSpPr txBox="1"/>
-          <p:nvPr/>
-        </p:nvSpPr>
-        <p:spPr>
-          <a:xfrm>
-            <a:off x="416689" y="5116010"/>
-            <a:ext cx="10861537" cy="1200329"/>
-          </a:xfrm>
-          <a:prstGeom prst="rect">
-            <a:avLst/>
-          </a:prstGeom>
-          <a:noFill/>
-        </p:spPr>
-        <p:txBody>
-          <a:bodyPr wrap="square" rtlCol="0">
-            <a:spAutoFit/>
-          </a:bodyPr>
-          <a:lstStyle/>
-          <a:p>
-            <a:r>
-              <a:rPr lang="zh-CN" altLang="en-US"/>
-              <a:t>回到</a:t>
-            </a:r>
-            <a:r>
-              <a:rPr lang="en-US" altLang="zh-CN"/>
-              <a:t>PC2</a:t>
-            </a:r>
-            <a:r>
-              <a:rPr lang="zh-CN" altLang="en-US"/>
-              <a:t>查看</a:t>
-            </a:r>
-            <a:r>
-              <a:rPr lang="en-US" altLang="zh-CN"/>
-              <a:t>snort</a:t>
-            </a:r>
-            <a:r>
-              <a:rPr lang="zh-CN" altLang="en-US"/>
-              <a:t>监控窗口，可以看到</a:t>
-            </a:r>
-            <a:r>
-              <a:rPr lang="en-US" altLang="zh-CN"/>
-              <a:t>snort</a:t>
-            </a:r>
-            <a:r>
-              <a:rPr lang="zh-CN" altLang="en-US"/>
-              <a:t>已经将数据包显示在了屏幕上</a:t>
-            </a:r>
-          </a:p>
-          <a:p>
-            <a:r>
-              <a:rPr lang="zh-CN" altLang="en-US"/>
-              <a:t>停止</a:t>
-            </a:r>
-            <a:r>
-              <a:rPr lang="en-US" altLang="zh-CN"/>
-              <a:t>PC1</a:t>
-            </a:r>
-            <a:r>
-              <a:rPr lang="zh-CN" altLang="en-US"/>
-              <a:t>的访问，现在打开我们指定的报警日志输出目录</a:t>
-            </a:r>
-            <a:r>
-              <a:rPr lang="en-US" altLang="zh-CN"/>
-              <a:t>/log</a:t>
-            </a:r>
-            <a:r>
-              <a:rPr lang="zh-CN" altLang="en-US"/>
-              <a:t>，可以看到两个文件</a:t>
-            </a:r>
-          </a:p>
-          <a:p>
-            <a:r>
-              <a:rPr lang="zh-CN" altLang="en-US"/>
-              <a:t>一个</a:t>
-            </a:r>
-            <a:r>
-              <a:rPr lang="en-US" altLang="zh-CN"/>
-              <a:t>alert</a:t>
-            </a:r>
-            <a:r>
-              <a:rPr lang="zh-CN" altLang="en-US"/>
-              <a:t>记录报警信息 </a:t>
-            </a:r>
-          </a:p>
-          <a:p>
-            <a:endParaRPr lang="zh-CN" altLang="en-US"/>
-          </a:p>
-        </p:txBody>
-      </p:sp>
     </p:spTree>
     <p:extLst>
       <p:ext uri="{BB962C8B-B14F-4D97-AF65-F5344CB8AC3E}">
-        <p14:creationId xmlns:p14="http://schemas.microsoft.com/office/powerpoint/2010/main" val="4035739411"/>
+        <p14:creationId xmlns:p14="http://schemas.microsoft.com/office/powerpoint/2010/main" val="2416929344"/>
       </p:ext>
     </p:extLst>
   </p:cSld>
@@ -8548,18 +8701,110 @@
         </p:blipFill>
         <p:spPr>
           <a:xfrm>
-            <a:off x="508660" y="856526"/>
-            <a:ext cx="11032834" cy="4490977"/>
+            <a:off x="1061161" y="1"/>
+            <a:ext cx="8603700" cy="4833314"/>
           </a:xfrm>
           <a:prstGeom prst="rect">
             <a:avLst/>
           </a:prstGeom>
         </p:spPr>
       </p:pic>
+      <p:sp>
+        <p:nvSpPr>
+          <p:cNvPr id="6" name="文本框 5"/>
+          <p:cNvSpPr txBox="1"/>
+          <p:nvPr/>
+        </p:nvSpPr>
+        <p:spPr>
+          <a:xfrm>
+            <a:off x="416689" y="5116010"/>
+            <a:ext cx="10861537" cy="1200329"/>
+          </a:xfrm>
+          <a:prstGeom prst="rect">
+            <a:avLst/>
+          </a:prstGeom>
+          <a:noFill/>
+        </p:spPr>
+        <p:txBody>
+          <a:bodyPr wrap="square" rtlCol="0">
+            <a:spAutoFit/>
+          </a:bodyPr>
+          <a:lstStyle/>
+          <a:p>
+            <a:r>
+              <a:rPr lang="zh-CN" altLang="en-US"/>
+              <a:t>回到</a:t>
+            </a:r>
+            <a:r>
+              <a:rPr lang="en-US" altLang="zh-CN"/>
+              <a:t>PC2</a:t>
+            </a:r>
+            <a:r>
+              <a:rPr lang="zh-CN" altLang="en-US"/>
+              <a:t>查看</a:t>
+            </a:r>
+            <a:r>
+              <a:rPr lang="en-US" altLang="zh-CN"/>
+              <a:t>snort</a:t>
+            </a:r>
+            <a:r>
+              <a:rPr lang="zh-CN" altLang="en-US"/>
+              <a:t>监控窗口，可以看到</a:t>
+            </a:r>
+            <a:r>
+              <a:rPr lang="en-US" altLang="zh-CN"/>
+              <a:t>snort</a:t>
+            </a:r>
+            <a:r>
+              <a:rPr lang="zh-CN" altLang="en-US"/>
+              <a:t>已经将数据包显示在了屏幕上</a:t>
+            </a:r>
+          </a:p>
+          <a:p>
+            <a:r>
+              <a:rPr lang="zh-CN" altLang="en-US"/>
+              <a:t>停止</a:t>
+            </a:r>
+            <a:r>
+              <a:rPr lang="en-US" altLang="zh-CN"/>
+              <a:t>PC1</a:t>
+            </a:r>
+            <a:r>
+              <a:rPr lang="zh-CN" altLang="en-US"/>
+              <a:t>的访问，现在打开我们指定的报警日志输出目录</a:t>
+            </a:r>
+            <a:r>
+              <a:rPr lang="en-US" altLang="zh-CN"/>
+              <a:t>/log</a:t>
+            </a:r>
+            <a:r>
+              <a:rPr lang="zh-CN" altLang="en-US"/>
+              <a:t>，可以看到两个文件</a:t>
+            </a:r>
+          </a:p>
+          <a:p>
+            <a:r>
+              <a:rPr lang="zh-CN" altLang="en-US"/>
+              <a:t>一个</a:t>
+            </a:r>
+            <a:r>
+              <a:rPr lang="en-US" altLang="zh-CN"/>
+              <a:t>alert</a:t>
+            </a:r>
+            <a:r>
+              <a:rPr lang="zh-CN" altLang="en-US"/>
+              <a:t>记录报警信息 </a:t>
+            </a:r>
+          </a:p>
+          <a:p>
+            <a:endParaRPr lang="zh-CN" altLang="en-US"/>
+          </a:p>
+        </p:txBody>
+      </p:sp>
     </p:spTree>
     <p:extLst>
       <p:ext uri="{BB962C8B-B14F-4D97-AF65-F5344CB8AC3E}">
-        <p14:creationId xmlns:p14="http://schemas.microsoft.com/office/powerpoint/2010/main" val="2753273721"/>
+        <p14:creationId xmlns:p14="http://schemas.microsoft.com/office/powerpoint/2010/main" val="4035739411"/>
       </p:ext>
     </p:extLst>
   </p:cSld>
@@ -8662,7 +8907,15 @@
             </a:r>
             <a:r>
               <a:rPr lang="zh-CN" altLang="en-US"/>
-              <a:t>难：建立安全系统⽆无可能</a:t>
+              <a:t>难：建立</a:t>
+            </a:r>
+            <a:r>
+              <a:rPr lang="zh-CN" altLang="en-US" smtClean="0"/>
+              <a:t>安全系统已无</a:t>
+            </a:r>
+            <a:r>
+              <a:rPr lang="zh-CN" altLang="en-US"/>
+              <a:t>可能</a:t>
             </a:r>
             <a:endParaRPr lang="en-US" altLang="zh-CN"/>
           </a:p>
@@ -8686,7 +8939,15 @@
             </a:r>
             <a:r>
               <a:rPr lang="zh-CN" altLang="en-US"/>
-              <a:t>难：加密技术⽅方法本身存在问题 </a:t>
+              <a:t>难：加密</a:t>
+            </a:r>
+            <a:r>
+              <a:rPr lang="zh-CN" altLang="en-US" smtClean="0"/>
+              <a:t>技术方法</a:t>
+            </a:r>
+            <a:r>
+              <a:rPr lang="zh-CN" altLang="en-US"/>
+              <a:t>本身存在问题 </a:t>
             </a:r>
             <a:endParaRPr lang="en-US" altLang="zh-CN"/>
           </a:p>
@@ -8710,7 +8971,15 @@
             </a:r>
             <a:r>
               <a:rPr lang="zh-CN" altLang="en-US"/>
-              <a:t>效率低：访问控制等级越⾼高使用效率越低 </a:t>
+              <a:t>效率低：访问控制等级越</a:t>
+            </a:r>
+            <a:r>
+              <a:rPr lang="zh-CN" altLang="en-US" smtClean="0"/>
+              <a:t>⾼使用</a:t>
+            </a:r>
+            <a:r>
+              <a:rPr lang="zh-CN" altLang="en-US"/>
+              <a:t>效率越低 </a:t>
             </a:r>
             <a:endParaRPr lang="en-US" altLang="zh-CN"/>
           </a:p>
@@ -8734,7 +9003,23 @@
             </a:r>
             <a:r>
               <a:rPr lang="zh-CN" altLang="en-US"/>
-              <a:t>产品难：测试不⾜足、软件⽣生命周期缩短等</a:t>
+              <a:t>产品难：测试不</a:t>
+            </a:r>
+            <a:r>
+              <a:rPr lang="zh-CN" altLang="en-US" smtClean="0"/>
+              <a:t>⾜、</a:t>
+            </a:r>
+            <a:r>
+              <a:rPr lang="zh-CN" altLang="en-US"/>
+              <a:t>软件</a:t>
+            </a:r>
+            <a:r>
+              <a:rPr lang="zh-CN" altLang="en-US" smtClean="0"/>
+              <a:t>⽣命</a:t>
+            </a:r>
+            <a:r>
+              <a:rPr lang="zh-CN" altLang="en-US"/>
+              <a:t>周期缩短等</a:t>
             </a:r>
           </a:p>
           <a:p>
@@ -8807,44 +9092,6 @@
       </p:grpSpPr>
       <p:sp>
         <p:nvSpPr>
-          <p:cNvPr id="3" name="内容占位符 2"/>
-          <p:cNvSpPr>
-            <a:spLocks noGrp="1"/>
-          </p:cNvSpPr>
-          <p:nvPr>
-            <p:ph sz="quarter" idx="13"/>
-          </p:nvPr>
-        </p:nvSpPr>
-        <p:spPr>
-          <a:xfrm>
-            <a:off x="832752" y="480418"/>
-            <a:ext cx="10363826" cy="3424107"/>
-          </a:xfrm>
-        </p:spPr>
-        <p:txBody>
-          <a:bodyPr/>
-          <a:lstStyle/>
-          <a:p>
-            <a:pPr marL="0" indent="0">
-              <a:buNone/>
-            </a:pPr>
-            <a:r>
-              <a:rPr lang="zh-CN" altLang="en-US"/>
-              <a:t>一个</a:t>
-            </a:r>
-            <a:r>
-              <a:rPr lang="en-US" altLang="zh-CN"/>
-              <a:t>pcap</a:t>
-            </a:r>
-            <a:r>
-              <a:rPr lang="zh-CN" altLang="en-US"/>
-              <a:t>文件记录报警的可疑数据包</a:t>
-            </a:r>
-          </a:p>
-        </p:txBody>
-      </p:sp>
-      <p:sp>
-        <p:nvSpPr>
           <p:cNvPr id="4" name="灯片编号占位符 3"/>
           <p:cNvSpPr>
             <a:spLocks noGrp="1"/>
@@ -8882,8 +9129,8 @@
         </p:blipFill>
         <p:spPr>
           <a:xfrm>
-            <a:off x="832752" y="865187"/>
-            <a:ext cx="8172450" cy="5200650"/>
+            <a:off x="508660" y="856526"/>
+            <a:ext cx="11032834" cy="4490977"/>
           </a:xfrm>
           <a:prstGeom prst="rect">
             <a:avLst/>
@@ -8893,7 +9140,7 @@
     </p:spTree>
     <p:extLst>
       <p:ext uri="{BB962C8B-B14F-4D97-AF65-F5344CB8AC3E}">
-        <p14:creationId xmlns:p14="http://schemas.microsoft.com/office/powerpoint/2010/main" val="1782943685"/>
+        <p14:creationId xmlns:p14="http://schemas.microsoft.com/office/powerpoint/2010/main" val="2753273721"/>
       </p:ext>
     </p:extLst>
   </p:cSld>
@@ -8929,42 +9176,6 @@
       </p:grpSpPr>
       <p:sp>
         <p:nvSpPr>
-          <p:cNvPr id="2" name="标题 1"/>
-          <p:cNvSpPr>
-            <a:spLocks noGrp="1"/>
-          </p:cNvSpPr>
-          <p:nvPr>
-            <p:ph type="title"/>
-          </p:nvPr>
-        </p:nvSpPr>
-        <p:spPr>
-          <a:xfrm>
-            <a:off x="913775" y="618517"/>
-            <a:ext cx="10364451" cy="1071387"/>
-          </a:xfrm>
-        </p:spPr>
-        <p:txBody>
-          <a:bodyPr/>
-          <a:lstStyle/>
-          <a:p>
-            <a:r>
-              <a:rPr lang="zh-CN" altLang="en-US" smtClean="0"/>
-              <a:t>使用</a:t>
-            </a:r>
-            <a:r>
-              <a:rPr lang="en-US" altLang="zh-CN" cap="none" smtClean="0"/>
-              <a:t>guardian</a:t>
-            </a:r>
-            <a:r>
-              <a:rPr lang="zh-CN" altLang="en-US" cap="none" smtClean="0"/>
-              <a:t>进行联动</a:t>
-            </a:r>
-            <a:endParaRPr lang="zh-CN" altLang="en-US"/>
-          </a:p>
-        </p:txBody>
-      </p:sp>
-      <p:sp>
-        <p:nvSpPr>
           <p:cNvPr id="3" name="内容占位符 2"/>
           <p:cNvSpPr>
             <a:spLocks noGrp="1"/>
@@ -8973,78 +9184,31 @@
             <p:ph sz="quarter" idx="13"/>
           </p:nvPr>
         </p:nvSpPr>
-        <p:spPr/>
-        <p:txBody>
-          <a:bodyPr/>
-          <a:lstStyle/>
-          <a:p>
-            <a:r>
-              <a:rPr lang="zh-CN" altLang="en-US" cap="none" smtClean="0"/>
-              <a:t>下载安装</a:t>
-            </a:r>
-            <a:r>
-              <a:rPr lang="en-US" altLang="zh-CN" cap="none" smtClean="0"/>
-              <a:t>guardian</a:t>
-            </a:r>
-            <a:r>
-              <a:rPr lang="zh-CN" altLang="en-US" cap="none" smtClean="0"/>
-              <a:t>脚本，并进行之前所述的文件配置，然后输入指令运行脚本。</a:t>
-            </a:r>
-            <a:endParaRPr lang="en-US" altLang="zh-CN" cap="none" smtClean="0"/>
-          </a:p>
-          <a:p>
+        <p:spPr>
+          <a:xfrm>
+            <a:off x="832752" y="480418"/>
+            <a:ext cx="10363826" cy="3424107"/>
+          </a:xfrm>
+        </p:spPr>
+        <p:txBody>
+          <a:bodyPr/>
+          <a:lstStyle/>
+          <a:p>
+            <a:pPr marL="0" indent="0">
+              <a:buNone/>
+            </a:pPr>
+            <a:r>
+              <a:rPr lang="zh-CN" altLang="en-US"/>
+              <a:t>一个</a:t>
+            </a:r>
             <a:r>
               <a:rPr lang="en-US" altLang="zh-CN"/>
-              <a:t>guardian.pl -c /guardian-1.7/guardian.conf  </a:t>
-            </a:r>
-            <a:endParaRPr lang="en-US" altLang="zh-CN" smtClean="0"/>
-          </a:p>
-          <a:p>
-            <a:r>
-              <a:rPr lang="zh-CN" altLang="en-US" cap="none" smtClean="0"/>
-              <a:t>由此，</a:t>
-            </a:r>
-            <a:r>
-              <a:rPr lang="en-US" altLang="zh-CN" cap="none" smtClean="0"/>
-              <a:t>guardian</a:t>
-            </a:r>
-            <a:r>
-              <a:rPr lang="zh-CN" altLang="en-US" cap="none" smtClean="0"/>
-              <a:t>开始运行，当</a:t>
-            </a:r>
-            <a:r>
-              <a:rPr lang="en-US" altLang="zh-CN" cap="none" smtClean="0"/>
-              <a:t>snort</a:t>
-            </a:r>
-            <a:r>
-              <a:rPr lang="zh-CN" altLang="en-US" cap="none" smtClean="0"/>
-              <a:t>检测到攻击时，</a:t>
-            </a:r>
-            <a:r>
-              <a:rPr lang="en-US" altLang="zh-CN" cap="none" smtClean="0"/>
-              <a:t>guardian</a:t>
-            </a:r>
-            <a:r>
-              <a:rPr lang="zh-CN" altLang="en-US" cap="none" smtClean="0"/>
-              <a:t>便可以联动</a:t>
-            </a:r>
-            <a:r>
-              <a:rPr lang="en-US" altLang="zh-CN" cap="none" smtClean="0"/>
-              <a:t>iptable</a:t>
-            </a:r>
-            <a:r>
-              <a:rPr lang="zh-CN" altLang="en-US" cap="none" smtClean="0"/>
-              <a:t>对攻击者进行</a:t>
-            </a:r>
-            <a:r>
-              <a:rPr lang="en-US" altLang="zh-CN" cap="none" smtClean="0"/>
-              <a:t>IP</a:t>
-            </a:r>
-            <a:r>
-              <a:rPr lang="zh-CN" altLang="en-US" cap="none" smtClean="0"/>
-              <a:t>阻断。</a:t>
-            </a:r>
-            <a:endParaRPr lang="en-US" altLang="zh-CN" cap="none"/>
+              <a:t>pcap</a:t>
+            </a:r>
+            <a:r>
+              <a:rPr lang="zh-CN" altLang="en-US"/>
+              <a:t>文件记录报警的可疑数据包</a:t>
+            </a:r>
           </a:p>
         </p:txBody>
       </p:sp>
@@ -9071,10 +9235,34 @@
           </a:p>
         </p:txBody>
       </p:sp>
+      <p:pic>
+        <p:nvPicPr>
+          <p:cNvPr id="5" name="图片 4"/>
+          <p:cNvPicPr>
+            <a:picLocks noChangeAspect="1"/>
+          </p:cNvPicPr>
+          <p:nvPr/>
+        </p:nvPicPr>
+        <p:blipFill>
+          <a:blip r:embed="rId2"/>
+          <a:stretch>
+            <a:fillRect/>
+          </a:stretch>
+        </p:blipFill>
+        <p:spPr>
+          <a:xfrm>
+            <a:off x="832752" y="865187"/>
+            <a:ext cx="8172450" cy="5200650"/>
+          </a:xfrm>
+          <a:prstGeom prst="rect">
+            <a:avLst/>
+          </a:prstGeom>
+        </p:spPr>
+      </p:pic>
     </p:spTree>
     <p:extLst>
       <p:ext uri="{BB962C8B-B14F-4D97-AF65-F5344CB8AC3E}">
-        <p14:creationId xmlns:p14="http://schemas.microsoft.com/office/powerpoint/2010/main" val="1107530830"/>
+        <p14:creationId xmlns:p14="http://schemas.microsoft.com/office/powerpoint/2010/main" val="1782943685"/>
       </p:ext>
     </p:extLst>
   </p:cSld>
@@ -9110,6 +9298,727 @@
       </p:grpSpPr>
       <p:sp>
         <p:nvSpPr>
+          <p:cNvPr id="2" name="标题 1"/>
+          <p:cNvSpPr>
+            <a:spLocks noGrp="1"/>
+          </p:cNvSpPr>
+          <p:nvPr>
+            <p:ph type="title"/>
+          </p:nvPr>
+        </p:nvSpPr>
+        <p:spPr>
+          <a:xfrm>
+            <a:off x="913775" y="618517"/>
+            <a:ext cx="10364451" cy="1071387"/>
+          </a:xfrm>
+        </p:spPr>
+        <p:txBody>
+          <a:bodyPr/>
+          <a:lstStyle/>
+          <a:p>
+            <a:r>
+              <a:rPr lang="zh-CN" altLang="en-US" smtClean="0"/>
+              <a:t>使用</a:t>
+            </a:r>
+            <a:r>
+              <a:rPr lang="en-US" altLang="zh-CN" cap="none" smtClean="0"/>
+              <a:t>guardian</a:t>
+            </a:r>
+            <a:r>
+              <a:rPr lang="zh-CN" altLang="en-US" cap="none" smtClean="0"/>
+              <a:t>进行联动</a:t>
+            </a:r>
+            <a:endParaRPr lang="zh-CN" altLang="en-US"/>
+          </a:p>
+        </p:txBody>
+      </p:sp>
+      <p:sp>
+        <p:nvSpPr>
+          <p:cNvPr id="3" name="内容占位符 2"/>
+          <p:cNvSpPr>
+            <a:spLocks noGrp="1"/>
+          </p:cNvSpPr>
+          <p:nvPr>
+            <p:ph sz="quarter" idx="13"/>
+          </p:nvPr>
+        </p:nvSpPr>
+        <p:spPr/>
+        <p:txBody>
+          <a:bodyPr/>
+          <a:lstStyle/>
+          <a:p>
+            <a:r>
+              <a:rPr lang="zh-CN" altLang="en-US" cap="none" smtClean="0"/>
+              <a:t>下载安装</a:t>
+            </a:r>
+            <a:r>
+              <a:rPr lang="en-US" altLang="zh-CN" cap="none" smtClean="0"/>
+              <a:t>guardian</a:t>
+            </a:r>
+            <a:r>
+              <a:rPr lang="zh-CN" altLang="en-US" cap="none" smtClean="0"/>
+              <a:t>脚本，并进行之前所述的文件配置，然后输入指令运行脚本。</a:t>
+            </a:r>
+            <a:endParaRPr lang="en-US" altLang="zh-CN" cap="none" smtClean="0"/>
+          </a:p>
+          <a:p>
+            <a:r>
+              <a:rPr lang="en-US" altLang="zh-CN" cap="none" smtClean="0"/>
+              <a:t>guardian.pl -c /guardian-1.7/guardian.conf </a:t>
+            </a:r>
+            <a:r>
+              <a:rPr lang="en-US" altLang="zh-CN"/>
+              <a:t> </a:t>
+            </a:r>
+            <a:endParaRPr lang="en-US" altLang="zh-CN" smtClean="0"/>
+          </a:p>
+          <a:p>
+            <a:r>
+              <a:rPr lang="zh-CN" altLang="en-US" cap="none" smtClean="0"/>
+              <a:t>由此，</a:t>
+            </a:r>
+            <a:r>
+              <a:rPr lang="en-US" altLang="zh-CN" cap="none" smtClean="0"/>
+              <a:t>guardian</a:t>
+            </a:r>
+            <a:r>
+              <a:rPr lang="zh-CN" altLang="en-US" cap="none" smtClean="0"/>
+              <a:t>开始运行，当</a:t>
+            </a:r>
+            <a:r>
+              <a:rPr lang="en-US" altLang="zh-CN" cap="none" smtClean="0"/>
+              <a:t>snort</a:t>
+            </a:r>
+            <a:r>
+              <a:rPr lang="zh-CN" altLang="en-US" cap="none" smtClean="0"/>
+              <a:t>检测到攻击时，</a:t>
+            </a:r>
+            <a:r>
+              <a:rPr lang="en-US" altLang="zh-CN" cap="none" smtClean="0"/>
+              <a:t>guardian</a:t>
+            </a:r>
+            <a:r>
+              <a:rPr lang="zh-CN" altLang="en-US" cap="none" smtClean="0"/>
+              <a:t>便可以联动</a:t>
+            </a:r>
+            <a:r>
+              <a:rPr lang="en-US" altLang="zh-CN" cap="none" smtClean="0"/>
+              <a:t>iptable</a:t>
+            </a:r>
+            <a:r>
+              <a:rPr lang="zh-CN" altLang="en-US" cap="none" smtClean="0"/>
+              <a:t>对攻击者进行</a:t>
+            </a:r>
+            <a:r>
+              <a:rPr lang="en-US" altLang="zh-CN" cap="none" smtClean="0"/>
+              <a:t>IP</a:t>
+            </a:r>
+            <a:r>
+              <a:rPr lang="zh-CN" altLang="en-US" cap="none" smtClean="0"/>
+              <a:t>阻断。</a:t>
+            </a:r>
+            <a:endParaRPr lang="en-US" altLang="zh-CN" cap="none"/>
+          </a:p>
+        </p:txBody>
+      </p:sp>
+      <p:sp>
+        <p:nvSpPr>
+          <p:cNvPr id="4" name="灯片编号占位符 3"/>
+          <p:cNvSpPr>
+            <a:spLocks noGrp="1"/>
+          </p:cNvSpPr>
+          <p:nvPr>
+            <p:ph type="sldNum" sz="quarter" idx="12"/>
+          </p:nvPr>
+        </p:nvSpPr>
+        <p:spPr/>
+        <p:txBody>
+          <a:bodyPr/>
+          <a:lstStyle/>
+          <a:p>
+            <a:fld id="{529B86CC-86F0-4D9D-9391-B8C947B5BF4D}" type="slidenum">
+              <a:rPr lang="zh-CN" altLang="en-US" smtClean="0"/>
+              <a:t>22</a:t>
+            </a:fld>
+            <a:endParaRPr lang="zh-CN" altLang="en-US"/>
+          </a:p>
+        </p:txBody>
+      </p:sp>
+    </p:spTree>
+    <p:extLst>
+      <p:ext uri="{BB962C8B-B14F-4D97-AF65-F5344CB8AC3E}">
+        <p14:creationId xmlns:p14="http://schemas.microsoft.com/office/powerpoint/2010/main" val="1107530830"/>
+      </p:ext>
+    </p:extLst>
+  </p:cSld>
+  <p:clrMapOvr>
+    <a:masterClrMapping/>
+  </p:clrMapOvr>
+  <p:timing>
+    <p:tnLst>
+      <p:par>
+        <p:cTn id="1" dur="indefinite" restart="never" nodeType="tmRoot"/>
+      </p:par>
+    </p:tnLst>
+  </p:timing>
+</p:sld>
+</file>
+
+<file path=ppt/slides/slide23.xml><?xml version="1.0" encoding="utf-8"?>
+<p:sld xmlns:a="http://schemas.openxmlformats.org/drawingml/2006/main" xmlns:r="http://schemas.openxmlformats.org/officeDocument/2006/relationships" xmlns:p="http://schemas.openxmlformats.org/presentationml/2006/main">
+  <p:cSld>
+    <p:spTree>
+      <p:nvGrpSpPr>
+        <p:cNvPr id="1" name=""/>
+        <p:cNvGrpSpPr/>
+        <p:nvPr/>
+      </p:nvGrpSpPr>
+      <p:grpSpPr>
+        <a:xfrm>
+          <a:off x="0" y="0"/>
+          <a:ext cx="0" cy="0"/>
+          <a:chOff x="0" y="0"/>
+          <a:chExt cx="0" cy="0"/>
+        </a:xfrm>
+      </p:grpSpPr>
+      <p:sp>
+        <p:nvSpPr>
+          <p:cNvPr id="3" name="内容占位符 2"/>
+          <p:cNvSpPr>
+            <a:spLocks noGrp="1"/>
+          </p:cNvSpPr>
+          <p:nvPr>
+            <p:ph sz="quarter" idx="13"/>
+          </p:nvPr>
+        </p:nvSpPr>
+        <p:spPr>
+          <a:xfrm>
+            <a:off x="913774" y="636608"/>
+            <a:ext cx="10363826" cy="5154591"/>
+          </a:xfrm>
+        </p:spPr>
+        <p:txBody>
+          <a:bodyPr/>
+          <a:lstStyle/>
+          <a:p>
+            <a:r>
+              <a:rPr lang="zh-CN" altLang="en-US"/>
+              <a:t>安装完成后，再次</a:t>
+            </a:r>
+            <a:r>
+              <a:rPr lang="zh-CN" altLang="en-US" smtClean="0"/>
+              <a:t>运行</a:t>
+            </a:r>
+            <a:r>
+              <a:rPr lang="en-US" altLang="zh-CN" cap="none" smtClean="0"/>
+              <a:t>guardian</a:t>
+            </a:r>
+            <a:r>
+              <a:rPr lang="zh-CN" altLang="en-US" smtClean="0"/>
+              <a:t>脚本</a:t>
+            </a:r>
+            <a:r>
+              <a:rPr lang="zh-CN" altLang="en-US"/>
+              <a:t>，显示后台开始</a:t>
+            </a:r>
+            <a:r>
+              <a:rPr lang="zh-CN" altLang="en-US" smtClean="0"/>
+              <a:t>执行</a:t>
+            </a:r>
+            <a:endParaRPr lang="en-US" altLang="zh-CN" smtClean="0"/>
+          </a:p>
+          <a:p>
+            <a:r>
+              <a:rPr lang="zh-CN" altLang="en-US" smtClean="0"/>
+              <a:t> </a:t>
+            </a:r>
+            <a:endParaRPr lang="en-US" altLang="zh-CN" smtClean="0"/>
+          </a:p>
+          <a:p>
+            <a:endParaRPr lang="en-US" altLang="zh-CN"/>
+          </a:p>
+          <a:p>
+            <a:endParaRPr lang="en-US" altLang="zh-CN" smtClean="0"/>
+          </a:p>
+          <a:p>
+            <a:r>
+              <a:rPr lang="zh-CN" altLang="en-US"/>
+              <a:t>现在利用</a:t>
+            </a:r>
+            <a:r>
+              <a:rPr lang="en-US" altLang="zh-CN"/>
+              <a:t>PC1</a:t>
+            </a:r>
+            <a:r>
+              <a:rPr lang="zh-CN" altLang="en-US"/>
+              <a:t>访问服务器并尝试进行简单</a:t>
+            </a:r>
+            <a:r>
+              <a:rPr lang="en-US" altLang="zh-CN"/>
+              <a:t>sql</a:t>
+            </a:r>
+            <a:r>
+              <a:rPr lang="zh-CN" altLang="en-US"/>
+              <a:t>注入</a:t>
+            </a:r>
+          </a:p>
+        </p:txBody>
+      </p:sp>
+      <p:sp>
+        <p:nvSpPr>
+          <p:cNvPr id="4" name="灯片编号占位符 3"/>
+          <p:cNvSpPr>
+            <a:spLocks noGrp="1"/>
+          </p:cNvSpPr>
+          <p:nvPr>
+            <p:ph type="sldNum" sz="quarter" idx="12"/>
+          </p:nvPr>
+        </p:nvSpPr>
+        <p:spPr/>
+        <p:txBody>
+          <a:bodyPr/>
+          <a:lstStyle/>
+          <a:p>
+            <a:fld id="{529B86CC-86F0-4D9D-9391-B8C947B5BF4D}" type="slidenum">
+              <a:rPr lang="zh-CN" altLang="en-US" smtClean="0"/>
+              <a:t>23</a:t>
+            </a:fld>
+            <a:endParaRPr lang="zh-CN" altLang="en-US"/>
+          </a:p>
+        </p:txBody>
+      </p:sp>
+      <p:pic>
+        <p:nvPicPr>
+          <p:cNvPr id="5" name="图片 4"/>
+          <p:cNvPicPr>
+            <a:picLocks noChangeAspect="1"/>
+          </p:cNvPicPr>
+          <p:nvPr/>
+        </p:nvPicPr>
+        <p:blipFill>
+          <a:blip r:embed="rId2"/>
+          <a:stretch>
+            <a:fillRect/>
+          </a:stretch>
+        </p:blipFill>
+        <p:spPr>
+          <a:xfrm>
+            <a:off x="1165386" y="1074410"/>
+            <a:ext cx="5161905" cy="1190476"/>
+          </a:xfrm>
+          <a:prstGeom prst="rect">
+            <a:avLst/>
+          </a:prstGeom>
+        </p:spPr>
+      </p:pic>
+      <p:pic>
+        <p:nvPicPr>
+          <p:cNvPr id="6" name="图片 5"/>
+          <p:cNvPicPr>
+            <a:picLocks noChangeAspect="1"/>
+          </p:cNvPicPr>
+          <p:nvPr/>
+        </p:nvPicPr>
+        <p:blipFill>
+          <a:blip r:embed="rId3"/>
+          <a:stretch>
+            <a:fillRect/>
+          </a:stretch>
+        </p:blipFill>
+        <p:spPr>
+          <a:xfrm>
+            <a:off x="913774" y="3291067"/>
+            <a:ext cx="8161905" cy="2114286"/>
+          </a:xfrm>
+          <a:prstGeom prst="rect">
+            <a:avLst/>
+          </a:prstGeom>
+        </p:spPr>
+      </p:pic>
+    </p:spTree>
+    <p:extLst>
+      <p:ext uri="{BB962C8B-B14F-4D97-AF65-F5344CB8AC3E}">
+        <p14:creationId xmlns:p14="http://schemas.microsoft.com/office/powerpoint/2010/main" val="422910921"/>
+      </p:ext>
+    </p:extLst>
+  </p:cSld>
+  <p:clrMapOvr>
+    <a:masterClrMapping/>
+  </p:clrMapOvr>
+  <p:timing>
+    <p:tnLst>
+      <p:par>
+        <p:cTn id="1" dur="indefinite" restart="never" nodeType="tmRoot"/>
+      </p:par>
+    </p:tnLst>
+  </p:timing>
+</p:sld>
+</file>
+
+<file path=ppt/slides/slide24.xml><?xml version="1.0" encoding="utf-8"?>
+<p:sld xmlns:a="http://schemas.openxmlformats.org/drawingml/2006/main" xmlns:r="http://schemas.openxmlformats.org/officeDocument/2006/relationships" xmlns:p="http://schemas.openxmlformats.org/presentationml/2006/main">
+  <p:cSld>
+    <p:spTree>
+      <p:nvGrpSpPr>
+        <p:cNvPr id="1" name=""/>
+        <p:cNvGrpSpPr/>
+        <p:nvPr/>
+      </p:nvGrpSpPr>
+      <p:grpSpPr>
+        <a:xfrm>
+          <a:off x="0" y="0"/>
+          <a:ext cx="0" cy="0"/>
+          <a:chOff x="0" y="0"/>
+          <a:chExt cx="0" cy="0"/>
+        </a:xfrm>
+      </p:grpSpPr>
+      <p:sp>
+        <p:nvSpPr>
+          <p:cNvPr id="3" name="内容占位符 2"/>
+          <p:cNvSpPr>
+            <a:spLocks noGrp="1"/>
+          </p:cNvSpPr>
+          <p:nvPr>
+            <p:ph sz="quarter" idx="13"/>
+          </p:nvPr>
+        </p:nvSpPr>
+        <p:spPr>
+          <a:xfrm>
+            <a:off x="300942" y="474562"/>
+            <a:ext cx="10977284" cy="5408713"/>
+          </a:xfrm>
+        </p:spPr>
+        <p:txBody>
+          <a:bodyPr/>
+          <a:lstStyle/>
+          <a:p>
+            <a:r>
+              <a:rPr lang="zh-CN" altLang="en-US" cap="none" smtClean="0"/>
+              <a:t>再次试图注入时，已无法获得服务器返回页面，查看网关</a:t>
+            </a:r>
+            <a:r>
+              <a:rPr lang="en-US" altLang="zh-CN" cap="none" smtClean="0"/>
+              <a:t>iptables</a:t>
+            </a:r>
+            <a:r>
+              <a:rPr lang="zh-CN" altLang="en-US" cap="none" smtClean="0"/>
+              <a:t>，可见其</a:t>
+            </a:r>
+            <a:r>
+              <a:rPr lang="en-US" altLang="zh-CN" cap="none" smtClean="0"/>
+              <a:t>ip</a:t>
+            </a:r>
+            <a:r>
+              <a:rPr lang="zh-CN" altLang="en-US" cap="none" smtClean="0"/>
+              <a:t>已被网关</a:t>
+            </a:r>
+            <a:r>
+              <a:rPr lang="en-US" altLang="zh-CN" cap="none" smtClean="0"/>
+              <a:t>ipables</a:t>
+            </a:r>
+            <a:r>
+              <a:rPr lang="zh-CN" altLang="en-US" cap="none" smtClean="0"/>
+              <a:t>封锁</a:t>
+            </a:r>
+            <a:endParaRPr lang="en-US" altLang="zh-CN" cap="none" smtClean="0"/>
+          </a:p>
+          <a:p>
+            <a:endParaRPr lang="zh-CN" altLang="en-US" cap="none"/>
+          </a:p>
+        </p:txBody>
+      </p:sp>
+      <p:sp>
+        <p:nvSpPr>
+          <p:cNvPr id="4" name="灯片编号占位符 3"/>
+          <p:cNvSpPr>
+            <a:spLocks noGrp="1"/>
+          </p:cNvSpPr>
+          <p:nvPr>
+            <p:ph type="sldNum" sz="quarter" idx="12"/>
+          </p:nvPr>
+        </p:nvSpPr>
+        <p:spPr/>
+        <p:txBody>
+          <a:bodyPr/>
+          <a:lstStyle/>
+          <a:p>
+            <a:fld id="{529B86CC-86F0-4D9D-9391-B8C947B5BF4D}" type="slidenum">
+              <a:rPr lang="zh-CN" altLang="en-US" smtClean="0"/>
+              <a:t>24</a:t>
+            </a:fld>
+            <a:endParaRPr lang="zh-CN" altLang="en-US"/>
+          </a:p>
+        </p:txBody>
+      </p:sp>
+      <p:pic>
+        <p:nvPicPr>
+          <p:cNvPr id="5" name="图片 4"/>
+          <p:cNvPicPr>
+            <a:picLocks noChangeAspect="1"/>
+          </p:cNvPicPr>
+          <p:nvPr/>
+        </p:nvPicPr>
+        <p:blipFill>
+          <a:blip r:embed="rId2"/>
+          <a:stretch>
+            <a:fillRect/>
+          </a:stretch>
+        </p:blipFill>
+        <p:spPr>
+          <a:xfrm>
+            <a:off x="735987" y="1194611"/>
+            <a:ext cx="6542857" cy="2028571"/>
+          </a:xfrm>
+          <a:prstGeom prst="rect">
+            <a:avLst/>
+          </a:prstGeom>
+        </p:spPr>
+      </p:pic>
+      <p:pic>
+        <p:nvPicPr>
+          <p:cNvPr id="6" name="图片 5"/>
+          <p:cNvPicPr>
+            <a:picLocks noChangeAspect="1"/>
+          </p:cNvPicPr>
+          <p:nvPr/>
+        </p:nvPicPr>
+        <p:blipFill>
+          <a:blip r:embed="rId3"/>
+          <a:stretch>
+            <a:fillRect/>
+          </a:stretch>
+        </p:blipFill>
+        <p:spPr>
+          <a:xfrm>
+            <a:off x="502991" y="3232706"/>
+            <a:ext cx="5838095" cy="2000000"/>
+          </a:xfrm>
+          <a:prstGeom prst="rect">
+            <a:avLst/>
+          </a:prstGeom>
+        </p:spPr>
+      </p:pic>
+      <p:pic>
+        <p:nvPicPr>
+          <p:cNvPr id="7" name="图片 6"/>
+          <p:cNvPicPr>
+            <a:picLocks noChangeAspect="1"/>
+          </p:cNvPicPr>
+          <p:nvPr/>
+        </p:nvPicPr>
+        <p:blipFill>
+          <a:blip r:embed="rId4"/>
+          <a:stretch>
+            <a:fillRect/>
+          </a:stretch>
+        </p:blipFill>
+        <p:spPr>
+          <a:xfrm>
+            <a:off x="6341086" y="3232706"/>
+            <a:ext cx="5819048" cy="2009524"/>
+          </a:xfrm>
+          <a:prstGeom prst="rect">
+            <a:avLst/>
+          </a:prstGeom>
+        </p:spPr>
+      </p:pic>
+    </p:spTree>
+    <p:extLst>
+      <p:ext uri="{BB962C8B-B14F-4D97-AF65-F5344CB8AC3E}">
+        <p14:creationId xmlns:p14="http://schemas.microsoft.com/office/powerpoint/2010/main" val="1289243518"/>
+      </p:ext>
+    </p:extLst>
+  </p:cSld>
+  <p:clrMapOvr>
+    <a:masterClrMapping/>
+  </p:clrMapOvr>
+  <p:timing>
+    <p:tnLst>
+      <p:par>
+        <p:cTn id="1" dur="indefinite" restart="never" nodeType="tmRoot"/>
+      </p:par>
+    </p:tnLst>
+  </p:timing>
+</p:sld>
+</file>
+
+<file path=ppt/slides/slide25.xml><?xml version="1.0" encoding="utf-8"?>
+<p:sld xmlns:a="http://schemas.openxmlformats.org/drawingml/2006/main" xmlns:r="http://schemas.openxmlformats.org/officeDocument/2006/relationships" xmlns:p="http://schemas.openxmlformats.org/presentationml/2006/main">
+  <p:cSld>
+    <p:spTree>
+      <p:nvGrpSpPr>
+        <p:cNvPr id="1" name=""/>
+        <p:cNvGrpSpPr/>
+        <p:nvPr/>
+      </p:nvGrpSpPr>
+      <p:grpSpPr>
+        <a:xfrm>
+          <a:off x="0" y="0"/>
+          <a:ext cx="0" cy="0"/>
+          <a:chOff x="0" y="0"/>
+          <a:chExt cx="0" cy="0"/>
+        </a:xfrm>
+      </p:grpSpPr>
+      <p:sp>
+        <p:nvSpPr>
+          <p:cNvPr id="3" name="内容占位符 2"/>
+          <p:cNvSpPr>
+            <a:spLocks noGrp="1"/>
+          </p:cNvSpPr>
+          <p:nvPr>
+            <p:ph sz="quarter" idx="13"/>
+          </p:nvPr>
+        </p:nvSpPr>
+        <p:spPr>
+          <a:xfrm>
+            <a:off x="913774" y="532436"/>
+            <a:ext cx="10363826" cy="5258764"/>
+          </a:xfrm>
+        </p:spPr>
+        <p:txBody>
+          <a:bodyPr/>
+          <a:lstStyle/>
+          <a:p>
+            <a:r>
+              <a:rPr lang="zh-CN" altLang="en-US" smtClean="0"/>
+              <a:t>相关资料与文献：</a:t>
+            </a:r>
+            <a:endParaRPr lang="en-US" altLang="zh-CN" smtClean="0"/>
+          </a:p>
+          <a:p>
+            <a:r>
+              <a:rPr lang="en-US" altLang="zh-CN" cap="none" smtClean="0"/>
+              <a:t>linux</a:t>
+            </a:r>
+            <a:r>
+              <a:rPr lang="zh-CN" altLang="en-US" cap="none" smtClean="0"/>
+              <a:t>平台</a:t>
+            </a:r>
+            <a:r>
+              <a:rPr lang="en-US" altLang="zh-CN" cap="none" smtClean="0"/>
+              <a:t>snort</a:t>
+            </a:r>
+            <a:r>
+              <a:rPr lang="zh-CN" altLang="en-US" cap="none" smtClean="0"/>
+              <a:t>入侵检测系统实战指南</a:t>
+            </a:r>
+            <a:r>
+              <a:rPr lang="en-US" altLang="zh-CN" cap="none" smtClean="0">
+                <a:hlinkClick r:id="rId2"/>
+              </a:rPr>
+              <a:t>http://www.2cto.com/article/201208/145925.html</a:t>
+            </a:r>
+            <a:endParaRPr lang="en-US" altLang="zh-CN" cap="none" smtClean="0"/>
+          </a:p>
+          <a:p>
+            <a:r>
+              <a:rPr lang="en-US" altLang="zh-CN" cap="none" smtClean="0">
+                <a:hlinkClick r:id="rId3"/>
+              </a:rPr>
+              <a:t>https://www.snort.org/documents</a:t>
+            </a:r>
+            <a:endParaRPr lang="en-US" altLang="zh-CN" cap="none" smtClean="0"/>
+          </a:p>
+          <a:p>
+            <a:r>
+              <a:rPr lang="en-US" altLang="zh-CN" cap="none">
+                <a:hlinkClick r:id="rId4"/>
+              </a:rPr>
+              <a:t>https://</a:t>
+            </a:r>
+            <a:r>
+              <a:rPr lang="en-US" altLang="zh-CN" cap="none" smtClean="0">
+                <a:hlinkClick r:id="rId4"/>
+              </a:rPr>
+              <a:t>sec.cuc.edu.cn/huangwei/course/2016/nsLecture0x08.pdf</a:t>
+            </a:r>
+            <a:endParaRPr lang="en-US" altLang="zh-CN" cap="none" smtClean="0"/>
+          </a:p>
+          <a:p>
+            <a:r>
+              <a:rPr lang="en-US" altLang="zh-CN" cap="none">
+                <a:hlinkClick r:id="rId5"/>
+              </a:rPr>
+              <a:t>https://</a:t>
+            </a:r>
+            <a:r>
+              <a:rPr lang="en-US" altLang="zh-CN" cap="none" smtClean="0">
+                <a:hlinkClick r:id="rId5"/>
+              </a:rPr>
+              <a:t>sec.cuc.edu.cn/huangwei/course/2014_2/nsLecture0x09.pdf</a:t>
+            </a:r>
+            <a:endParaRPr lang="en-US" altLang="zh-CN" cap="none" smtClean="0"/>
+          </a:p>
+          <a:p>
+            <a:endParaRPr lang="en-US" altLang="zh-CN" cap="none"/>
+          </a:p>
+          <a:p>
+            <a:endParaRPr lang="zh-CN" altLang="en-US"/>
+          </a:p>
+        </p:txBody>
+      </p:sp>
+      <p:sp>
+        <p:nvSpPr>
+          <p:cNvPr id="4" name="灯片编号占位符 3"/>
+          <p:cNvSpPr>
+            <a:spLocks noGrp="1"/>
+          </p:cNvSpPr>
+          <p:nvPr>
+            <p:ph type="sldNum" sz="quarter" idx="12"/>
+          </p:nvPr>
+        </p:nvSpPr>
+        <p:spPr/>
+        <p:txBody>
+          <a:bodyPr/>
+          <a:lstStyle/>
+          <a:p>
+            <a:fld id="{529B86CC-86F0-4D9D-9391-B8C947B5BF4D}" type="slidenum">
+              <a:rPr lang="zh-CN" altLang="en-US" smtClean="0"/>
+              <a:t>25</a:t>
+            </a:fld>
+            <a:endParaRPr lang="zh-CN" altLang="en-US"/>
+          </a:p>
+        </p:txBody>
+      </p:sp>
+    </p:spTree>
+    <p:extLst>
+      <p:ext uri="{BB962C8B-B14F-4D97-AF65-F5344CB8AC3E}">
+        <p14:creationId xmlns:p14="http://schemas.microsoft.com/office/powerpoint/2010/main" val="3557159895"/>
+      </p:ext>
+    </p:extLst>
+  </p:cSld>
+  <p:clrMapOvr>
+    <a:masterClrMapping/>
+  </p:clrMapOvr>
+  <p:timing>
+    <p:tnLst>
+      <p:par>
+        <p:cTn id="1" dur="indefinite" restart="never" nodeType="tmRoot"/>
+      </p:par>
+    </p:tnLst>
+  </p:timing>
+</p:sld>
+</file>
+
+<file path=ppt/slides/slide26.xml><?xml version="1.0" encoding="utf-8"?>
+<p:sld xmlns:a="http://schemas.openxmlformats.org/drawingml/2006/main" xmlns:r="http://schemas.openxmlformats.org/officeDocument/2006/relationships" xmlns:p="http://schemas.openxmlformats.org/presentationml/2006/main">
+  <p:cSld>
+    <p:spTree>
+      <p:nvGrpSpPr>
+        <p:cNvPr id="1" name=""/>
+        <p:cNvGrpSpPr/>
+        <p:nvPr/>
+      </p:nvGrpSpPr>
+      <p:grpSpPr>
+        <a:xfrm>
+          <a:off x="0" y="0"/>
+          <a:ext cx="0" cy="0"/>
+          <a:chOff x="0" y="0"/>
+          <a:chExt cx="0" cy="0"/>
+        </a:xfrm>
+      </p:grpSpPr>
+      <p:sp>
+        <p:nvSpPr>
           <p:cNvPr id="3" name="内容占位符 2"/>
           <p:cNvSpPr>
             <a:spLocks noGrp="1"/>
@@ -9172,7 +10081,7 @@
           <a:p>
             <a:fld id="{529B86CC-86F0-4D9D-9391-B8C947B5BF4D}" type="slidenum">
               <a:rPr lang="zh-CN" altLang="en-US" smtClean="0"/>
-              <a:t>22</a:t>
+              <a:t>26</a:t>
             </a:fld>
             <a:endParaRPr lang="zh-CN" altLang="en-US"/>
           </a:p>
@@ -9288,7 +10197,15 @@
             </a:r>
             <a:r>
               <a:rPr lang="zh-CN" altLang="en-US"/>
-              <a:t>识别⼊入侵者 </a:t>
+              <a:t>识别</a:t>
+            </a:r>
+            <a:r>
+              <a:rPr lang="zh-CN" altLang="en-US" smtClean="0"/>
+              <a:t>⼊侵</a:t>
+            </a:r>
+            <a:r>
+              <a:rPr lang="zh-CN" altLang="en-US"/>
+              <a:t>者 </a:t>
             </a:r>
             <a:endParaRPr lang="en-US" altLang="zh-CN"/>
           </a:p>
@@ -9342,11 +10259,31 @@
             </a:r>
             <a:r>
               <a:rPr lang="zh-CN" altLang="en-US" smtClean="0"/>
-              <a:t>⼊入侵</a:t>
+              <a:t>⼊侵</a:t>
             </a:r>
             <a:r>
               <a:rPr lang="zh-CN" altLang="en-US"/>
-              <a:t>及时提供重要信息，阻⽌止事件的发⽣生 和事态的扩⼤大 </a:t>
+              <a:t>及时提供重要信息，阻</a:t>
+            </a:r>
+            <a:r>
+              <a:rPr lang="zh-CN" altLang="en-US" smtClean="0"/>
+              <a:t>⽌事件</a:t>
+            </a:r>
+            <a:r>
+              <a:rPr lang="zh-CN" altLang="en-US"/>
+              <a:t>的</a:t>
+            </a:r>
+            <a:r>
+              <a:rPr lang="zh-CN" altLang="en-US" smtClean="0"/>
+              <a:t>发生 </a:t>
+            </a:r>
+            <a:r>
+              <a:rPr lang="zh-CN" altLang="en-US"/>
+              <a:t>和事态的</a:t>
+            </a:r>
+            <a:r>
+              <a:rPr lang="zh-CN" altLang="en-US" smtClean="0"/>
+              <a:t>扩大 </a:t>
             </a:r>
             <a:endParaRPr lang="en-US" altLang="zh-CN" smtClean="0"/>
           </a:p>
@@ -9560,7 +10497,7 @@
         <p:spPr>
           <a:xfrm>
             <a:off x="428263" y="1260362"/>
-            <a:ext cx="11146421" cy="2031325"/>
+            <a:ext cx="11412638" cy="2031325"/>
           </a:xfrm>
           <a:prstGeom prst="rect">
             <a:avLst/>
@@ -9579,7 +10516,31 @@
             </a:r>
             <a:r>
               <a:rPr lang="zh-CN" altLang="en-US"/>
-              <a:t>对系统的运⾏行状态进⾏行监视，发现各种攻击企 图、攻击⾏行为或者攻击结果，以保证系统资源 的机密性、完整性和可用性 </a:t>
+              <a:t>对系统的运</a:t>
+            </a:r>
+            <a:r>
+              <a:rPr lang="zh-CN" altLang="en-US" smtClean="0"/>
+              <a:t>⾏状态</a:t>
+            </a:r>
+            <a:r>
+              <a:rPr lang="zh-CN" altLang="en-US"/>
+              <a:t>进</a:t>
+            </a:r>
+            <a:r>
+              <a:rPr lang="zh-CN" altLang="en-US" smtClean="0"/>
+              <a:t>⾏监视</a:t>
+            </a:r>
+            <a:r>
+              <a:rPr lang="zh-CN" altLang="en-US"/>
+              <a:t>，发现各种攻击企 图、</a:t>
+            </a:r>
+            <a:r>
+              <a:rPr lang="zh-CN" altLang="en-US" smtClean="0"/>
+              <a:t>攻击行为</a:t>
+            </a:r>
+            <a:r>
+              <a:rPr lang="zh-CN" altLang="en-US"/>
+              <a:t>或者攻击结果，以保证系统资源 的机密性、完整性和可用性 </a:t>
             </a:r>
             <a:endParaRPr lang="en-US" altLang="zh-CN" smtClean="0"/>
           </a:p>
@@ -9589,8 +10550,20 @@
               <a:t>2.</a:t>
             </a:r>
             <a:r>
+              <a:rPr lang="zh-CN" altLang="en-US" smtClean="0"/>
+              <a:t>进行⼊侵</a:t>
+            </a:r>
+            <a:r>
               <a:rPr lang="zh-CN" altLang="en-US"/>
-              <a:t>进⾏行⼊入侵检测的软件与硬件的组合便是⼊入侵检 测系统 </a:t>
+              <a:t>检测的软件与硬件的组合便是</a:t>
+            </a:r>
+            <a:r>
+              <a:rPr lang="zh-CN" altLang="en-US" smtClean="0"/>
+              <a:t>⼊侵</a:t>
+            </a:r>
+            <a:r>
+              <a:rPr lang="zh-CN" altLang="en-US"/>
+              <a:t>检 测系统 </a:t>
             </a:r>
             <a:endParaRPr lang="en-US" altLang="zh-CN" smtClean="0"/>
           </a:p>
@@ -9605,7 +10578,23 @@
             </a:r>
             <a:r>
               <a:rPr lang="zh-CN" altLang="en-US"/>
-              <a:t>正在发⽣生或者试图发⽣生时，</a:t>
+              <a:t>正在发</a:t>
+            </a:r>
+            <a:r>
+              <a:rPr lang="zh-CN" altLang="en-US" smtClean="0"/>
+              <a:t>⽣或者</a:t>
+            </a:r>
+            <a:r>
+              <a:rPr lang="zh-CN" altLang="en-US"/>
+              <a:t>试图发</a:t>
+            </a:r>
+            <a:r>
+              <a:rPr lang="zh-CN" altLang="en-US" smtClean="0"/>
+              <a:t>⽣时</a:t>
+            </a:r>
+            <a:r>
+              <a:rPr lang="zh-CN" altLang="en-US"/>
+              <a:t>，</a:t>
             </a:r>
             <a:r>
               <a:rPr lang="en-US" altLang="zh-CN"/>
@@ -9613,7 +10602,15 @@
             </a:r>
             <a:r>
               <a:rPr lang="zh-CN" altLang="en-US"/>
-              <a:t>将 发布⼀一个</a:t>
+              <a:t>将 </a:t>
+            </a:r>
+            <a:r>
+              <a:rPr lang="zh-CN" altLang="en-US" smtClean="0"/>
+              <a:t>发布一</a:t>
+            </a:r>
+            <a:r>
+              <a:rPr lang="zh-CN" altLang="en-US"/>
+              <a:t>个</a:t>
             </a:r>
             <a:r>
               <a:rPr lang="en-US" altLang="zh-CN"/>
@@ -9622,6 +10619,10 @@
             <a:r>
               <a:rPr lang="zh-CN" altLang="en-US"/>
               <a:t>信息通知系统管理员 </a:t>
+            </a:r>
+            <a:r>
+              <a:rPr lang="zh-CN" altLang="en-US" smtClean="0"/>
+              <a:t>。（实际上为生成记录日志）</a:t>
             </a:r>
             <a:endParaRPr lang="en-US" altLang="zh-CN" smtClean="0"/>
           </a:p>
@@ -10277,119 +11278,6 @@
           </a:p>
           <a:p>
             <a:endParaRPr lang="zh-CN" altLang="en-US" cap="none"/>
-          </a:p>
-        </p:txBody>
-      </p:sp>
-      <p:sp>
-        <p:nvSpPr>
-          <p:cNvPr id="4" name="文本框 3"/>
-          <p:cNvSpPr txBox="1"/>
-          <p:nvPr/>
-        </p:nvSpPr>
-        <p:spPr>
-          <a:xfrm>
-            <a:off x="1759555" y="5528658"/>
-            <a:ext cx="8672887" cy="923330"/>
-          </a:xfrm>
-          <a:prstGeom prst="rect">
-            <a:avLst/>
-          </a:prstGeom>
-          <a:noFill/>
-        </p:spPr>
-        <p:txBody>
-          <a:bodyPr wrap="none" rtlCol="0">
-            <a:spAutoFit/>
-          </a:bodyPr>
-          <a:lstStyle/>
-          <a:p>
-            <a:r>
-              <a:rPr lang="zh-CN" altLang="en-US">
-                <a:solidFill>
-                  <a:schemeClr val="bg1">
-                    <a:lumMod val="50000"/>
-                  </a:schemeClr>
-                </a:solidFill>
-              </a:rPr>
-              <a:t>资料</a:t>
-            </a:r>
-            <a:r>
-              <a:rPr lang="zh-CN" altLang="en-US" smtClean="0">
-                <a:solidFill>
-                  <a:schemeClr val="bg1">
-                    <a:lumMod val="50000"/>
-                  </a:schemeClr>
-                </a:solidFill>
-              </a:rPr>
-              <a:t>来源：</a:t>
-            </a:r>
-            <a:r>
-              <a:rPr lang="en-US" altLang="zh-CN">
-                <a:solidFill>
-                  <a:schemeClr val="bg1">
-                    <a:lumMod val="50000"/>
-                  </a:schemeClr>
-                </a:solidFill>
-              </a:rPr>
-              <a:t>[</a:t>
-            </a:r>
-            <a:r>
-              <a:rPr lang="zh-CN" altLang="en-US">
-                <a:solidFill>
-                  <a:schemeClr val="bg1">
-                    <a:lumMod val="50000"/>
-                  </a:schemeClr>
-                </a:solidFill>
-              </a:rPr>
-              <a:t>必应词典 </a:t>
-            </a:r>
-            <a:r>
-              <a:rPr lang="en-US" altLang="zh-CN" err="1">
-                <a:solidFill>
-                  <a:schemeClr val="bg1">
-                    <a:lumMod val="50000"/>
-                  </a:schemeClr>
-                </a:solidFill>
-              </a:rPr>
-              <a:t>sql</a:t>
-            </a:r>
-            <a:r>
-              <a:rPr lang="en-US" altLang="zh-CN">
-                <a:solidFill>
-                  <a:schemeClr val="bg1">
-                    <a:lumMod val="50000"/>
-                  </a:schemeClr>
-                </a:solidFill>
-              </a:rPr>
-              <a:t> injection]</a:t>
-            </a:r>
-          </a:p>
-          <a:p>
-            <a:r>
-              <a:rPr lang="en-US" altLang="zh-CN">
-                <a:solidFill>
-                  <a:schemeClr val="bg1">
-                    <a:lumMod val="50000"/>
-                  </a:schemeClr>
-                </a:solidFill>
-              </a:rPr>
-              <a:t>	 http://www.bing.com/knows/search?q=sql+injection&amp;mkt=zh-cn&amp;FORM=BKACAI</a:t>
-            </a:r>
-            <a:br>
-              <a:rPr lang="en-US" altLang="zh-CN">
-                <a:solidFill>
-                  <a:schemeClr val="bg1">
-                    <a:lumMod val="50000"/>
-                  </a:schemeClr>
-                </a:solidFill>
-              </a:rPr>
-            </a:br>
-            <a:endParaRPr lang="zh-CN" altLang="en-US">
-              <a:solidFill>
-                <a:schemeClr val="bg1">
-                  <a:lumMod val="50000"/>
-                </a:schemeClr>
-              </a:solidFill>
-            </a:endParaRPr>
           </a:p>
         </p:txBody>
       </p:sp>
